--- a/Lesson4 Debugging/Android Lesson 4 Debugging.pptx
+++ b/Lesson4 Debugging/Android Lesson 4 Debugging.pptx
@@ -5,40 +5,39 @@
     <p:sldMasterId id="2147483648" r:id="rId1"/>
   </p:sldMasterIdLst>
   <p:notesMasterIdLst>
-    <p:notesMasterId r:id="rId33"/>
+    <p:notesMasterId r:id="rId32"/>
   </p:notesMasterIdLst>
   <p:sldIdLst>
     <p:sldId id="256" r:id="rId2"/>
     <p:sldId id="294" r:id="rId3"/>
-    <p:sldId id="284" r:id="rId4"/>
-    <p:sldId id="295" r:id="rId5"/>
-    <p:sldId id="296" r:id="rId6"/>
-    <p:sldId id="297" r:id="rId7"/>
-    <p:sldId id="298" r:id="rId8"/>
-    <p:sldId id="299" r:id="rId9"/>
-    <p:sldId id="309" r:id="rId10"/>
-    <p:sldId id="310" r:id="rId11"/>
-    <p:sldId id="300" r:id="rId12"/>
-    <p:sldId id="311" r:id="rId13"/>
-    <p:sldId id="312" r:id="rId14"/>
-    <p:sldId id="301" r:id="rId15"/>
-    <p:sldId id="302" r:id="rId16"/>
-    <p:sldId id="303" r:id="rId17"/>
-    <p:sldId id="313" r:id="rId18"/>
-    <p:sldId id="304" r:id="rId19"/>
-    <p:sldId id="305" r:id="rId20"/>
-    <p:sldId id="306" r:id="rId21"/>
-    <p:sldId id="307" r:id="rId22"/>
-    <p:sldId id="308" r:id="rId23"/>
-    <p:sldId id="314" r:id="rId24"/>
-    <p:sldId id="323" r:id="rId25"/>
-    <p:sldId id="315" r:id="rId26"/>
-    <p:sldId id="316" r:id="rId27"/>
-    <p:sldId id="317" r:id="rId28"/>
-    <p:sldId id="318" r:id="rId29"/>
-    <p:sldId id="320" r:id="rId30"/>
-    <p:sldId id="321" r:id="rId31"/>
-    <p:sldId id="322" r:id="rId32"/>
+    <p:sldId id="295" r:id="rId4"/>
+    <p:sldId id="296" r:id="rId5"/>
+    <p:sldId id="297" r:id="rId6"/>
+    <p:sldId id="298" r:id="rId7"/>
+    <p:sldId id="299" r:id="rId8"/>
+    <p:sldId id="309" r:id="rId9"/>
+    <p:sldId id="310" r:id="rId10"/>
+    <p:sldId id="300" r:id="rId11"/>
+    <p:sldId id="311" r:id="rId12"/>
+    <p:sldId id="312" r:id="rId13"/>
+    <p:sldId id="301" r:id="rId14"/>
+    <p:sldId id="302" r:id="rId15"/>
+    <p:sldId id="303" r:id="rId16"/>
+    <p:sldId id="313" r:id="rId17"/>
+    <p:sldId id="304" r:id="rId18"/>
+    <p:sldId id="305" r:id="rId19"/>
+    <p:sldId id="306" r:id="rId20"/>
+    <p:sldId id="307" r:id="rId21"/>
+    <p:sldId id="308" r:id="rId22"/>
+    <p:sldId id="314" r:id="rId23"/>
+    <p:sldId id="323" r:id="rId24"/>
+    <p:sldId id="315" r:id="rId25"/>
+    <p:sldId id="316" r:id="rId26"/>
+    <p:sldId id="317" r:id="rId27"/>
+    <p:sldId id="318" r:id="rId28"/>
+    <p:sldId id="320" r:id="rId29"/>
+    <p:sldId id="321" r:id="rId30"/>
+    <p:sldId id="322" r:id="rId31"/>
   </p:sldIdLst>
   <p:sldSz cx="9144000" cy="6858000" type="screen4x3"/>
   <p:notesSz cx="6858000" cy="9144000"/>
@@ -238,7 +237,7 @@
           <a:p>
             <a:fld id="{A78F9097-D7FD-476D-9B2D-3F80EFB9D04E}" type="datetimeFigureOut">
               <a:rPr lang="en-US" smtClean="0"/>
-              <a:t>4/19/2016</a:t>
+              <a:t>4/22/2016</a:t>
             </a:fld>
             <a:endParaRPr lang="en-US"/>
           </a:p>
@@ -604,6 +603,90 @@
 </p:notes>
 </file>
 
+<file path=ppt/notesSlides/notesSlide2.xml><?xml version="1.0" encoding="utf-8"?>
+<p:notes xmlns:a="http://schemas.openxmlformats.org/drawingml/2006/main" xmlns:r="http://schemas.openxmlformats.org/officeDocument/2006/relationships" xmlns:p="http://schemas.openxmlformats.org/presentationml/2006/main">
+  <p:cSld>
+    <p:spTree>
+      <p:nvGrpSpPr>
+        <p:cNvPr id="1" name=""/>
+        <p:cNvGrpSpPr/>
+        <p:nvPr/>
+      </p:nvGrpSpPr>
+      <p:grpSpPr>
+        <a:xfrm>
+          <a:off x="0" y="0"/>
+          <a:ext cx="0" cy="0"/>
+          <a:chOff x="0" y="0"/>
+          <a:chExt cx="0" cy="0"/>
+        </a:xfrm>
+      </p:grpSpPr>
+      <p:sp>
+        <p:nvSpPr>
+          <p:cNvPr id="2" name="Slide Image Placeholder 1"/>
+          <p:cNvSpPr>
+            <a:spLocks noGrp="1" noRot="1" noChangeAspect="1"/>
+          </p:cNvSpPr>
+          <p:nvPr>
+            <p:ph type="sldImg"/>
+          </p:nvPr>
+        </p:nvSpPr>
+        <p:spPr/>
+      </p:sp>
+      <p:sp>
+        <p:nvSpPr>
+          <p:cNvPr id="3" name="Notes Placeholder 2"/>
+          <p:cNvSpPr>
+            <a:spLocks noGrp="1"/>
+          </p:cNvSpPr>
+          <p:nvPr>
+            <p:ph type="body" idx="1"/>
+          </p:nvPr>
+        </p:nvSpPr>
+        <p:spPr/>
+        <p:txBody>
+          <a:bodyPr/>
+          <a:lstStyle/>
+          <a:p>
+            <a:endParaRPr lang="en-US"/>
+          </a:p>
+        </p:txBody>
+      </p:sp>
+      <p:sp>
+        <p:nvSpPr>
+          <p:cNvPr id="4" name="Slide Number Placeholder 3"/>
+          <p:cNvSpPr>
+            <a:spLocks noGrp="1"/>
+          </p:cNvSpPr>
+          <p:nvPr>
+            <p:ph type="sldNum" sz="quarter" idx="10"/>
+          </p:nvPr>
+        </p:nvSpPr>
+        <p:spPr/>
+        <p:txBody>
+          <a:bodyPr/>
+          <a:lstStyle/>
+          <a:p>
+            <a:fld id="{B063DD36-BCC9-4944-A87B-07F2E8A16AFA}" type="slidenum">
+              <a:rPr lang="en-US" smtClean="0"/>
+              <a:t>28</a:t>
+            </a:fld>
+            <a:endParaRPr lang="en-US"/>
+          </a:p>
+        </p:txBody>
+      </p:sp>
+    </p:spTree>
+    <p:extLst>
+      <p:ext uri="{BB962C8B-B14F-4D97-AF65-F5344CB8AC3E}">
+        <p14:creationId xmlns:p14="http://schemas.microsoft.com/office/powerpoint/2010/main" val="2295505548"/>
+      </p:ext>
+    </p:extLst>
+  </p:cSld>
+  <p:clrMapOvr>
+    <a:masterClrMapping/>
+  </p:clrMapOvr>
+</p:notes>
+</file>
+
 <file path=ppt/slideLayouts/slideLayout1.xml><?xml version="1.0" encoding="utf-8"?>
 <p:sldLayout xmlns:a="http://schemas.openxmlformats.org/drawingml/2006/main" xmlns:r="http://schemas.openxmlformats.org/officeDocument/2006/relationships" xmlns:p="http://schemas.openxmlformats.org/presentationml/2006/main" type="title" preserve="1">
   <p:cSld name="Title Slide">
@@ -783,7 +866,7 @@
           <a:p>
             <a:fld id="{9F981DF4-8AC2-43B1-AF39-552BC7C9555F}" type="datetimeFigureOut">
               <a:rPr lang="en-US" smtClean="0"/>
-              <a:t>4/19/2016</a:t>
+              <a:t>4/22/2016</a:t>
             </a:fld>
             <a:endParaRPr lang="en-US"/>
           </a:p>
@@ -951,7 +1034,7 @@
           <a:p>
             <a:fld id="{9F981DF4-8AC2-43B1-AF39-552BC7C9555F}" type="datetimeFigureOut">
               <a:rPr lang="en-US" smtClean="0"/>
-              <a:t>4/19/2016</a:t>
+              <a:t>4/22/2016</a:t>
             </a:fld>
             <a:endParaRPr lang="en-US"/>
           </a:p>
@@ -1129,7 +1212,7 @@
           <a:p>
             <a:fld id="{9F981DF4-8AC2-43B1-AF39-552BC7C9555F}" type="datetimeFigureOut">
               <a:rPr lang="en-US" smtClean="0"/>
-              <a:t>4/19/2016</a:t>
+              <a:t>4/22/2016</a:t>
             </a:fld>
             <a:endParaRPr lang="en-US"/>
           </a:p>
@@ -1297,7 +1380,7 @@
           <a:p>
             <a:fld id="{9F981DF4-8AC2-43B1-AF39-552BC7C9555F}" type="datetimeFigureOut">
               <a:rPr lang="en-US" smtClean="0"/>
-              <a:t>4/19/2016</a:t>
+              <a:t>4/22/2016</a:t>
             </a:fld>
             <a:endParaRPr lang="en-US"/>
           </a:p>
@@ -1542,7 +1625,7 @@
           <a:p>
             <a:fld id="{9F981DF4-8AC2-43B1-AF39-552BC7C9555F}" type="datetimeFigureOut">
               <a:rPr lang="en-US" smtClean="0"/>
-              <a:t>4/19/2016</a:t>
+              <a:t>4/22/2016</a:t>
             </a:fld>
             <a:endParaRPr lang="en-US"/>
           </a:p>
@@ -1827,7 +1910,7 @@
           <a:p>
             <a:fld id="{9F981DF4-8AC2-43B1-AF39-552BC7C9555F}" type="datetimeFigureOut">
               <a:rPr lang="en-US" smtClean="0"/>
-              <a:t>4/19/2016</a:t>
+              <a:t>4/22/2016</a:t>
             </a:fld>
             <a:endParaRPr lang="en-US"/>
           </a:p>
@@ -2246,7 +2329,7 @@
           <a:p>
             <a:fld id="{9F981DF4-8AC2-43B1-AF39-552BC7C9555F}" type="datetimeFigureOut">
               <a:rPr lang="en-US" smtClean="0"/>
-              <a:t>4/19/2016</a:t>
+              <a:t>4/22/2016</a:t>
             </a:fld>
             <a:endParaRPr lang="en-US"/>
           </a:p>
@@ -2363,7 +2446,7 @@
           <a:p>
             <a:fld id="{9F981DF4-8AC2-43B1-AF39-552BC7C9555F}" type="datetimeFigureOut">
               <a:rPr lang="en-US" smtClean="0"/>
-              <a:t>4/19/2016</a:t>
+              <a:t>4/22/2016</a:t>
             </a:fld>
             <a:endParaRPr lang="en-US"/>
           </a:p>
@@ -2458,7 +2541,7 @@
           <a:p>
             <a:fld id="{9F981DF4-8AC2-43B1-AF39-552BC7C9555F}" type="datetimeFigureOut">
               <a:rPr lang="en-US" smtClean="0"/>
-              <a:t>4/19/2016</a:t>
+              <a:t>4/22/2016</a:t>
             </a:fld>
             <a:endParaRPr lang="en-US"/>
           </a:p>
@@ -2733,7 +2816,7 @@
           <a:p>
             <a:fld id="{9F981DF4-8AC2-43B1-AF39-552BC7C9555F}" type="datetimeFigureOut">
               <a:rPr lang="en-US" smtClean="0"/>
-              <a:t>4/19/2016</a:t>
+              <a:t>4/22/2016</a:t>
             </a:fld>
             <a:endParaRPr lang="en-US"/>
           </a:p>
@@ -2985,7 +3068,7 @@
           <a:p>
             <a:fld id="{9F981DF4-8AC2-43B1-AF39-552BC7C9555F}" type="datetimeFigureOut">
               <a:rPr lang="en-US" smtClean="0"/>
-              <a:t>4/19/2016</a:t>
+              <a:t>4/22/2016</a:t>
             </a:fld>
             <a:endParaRPr lang="en-US"/>
           </a:p>
@@ -3196,7 +3279,7 @@
           <a:p>
             <a:fld id="{9F981DF4-8AC2-43B1-AF39-552BC7C9555F}" type="datetimeFigureOut">
               <a:rPr lang="en-US" smtClean="0"/>
-              <a:t>4/19/2016</a:t>
+              <a:t>4/22/2016</a:t>
             </a:fld>
             <a:endParaRPr lang="en-US"/>
           </a:p>
@@ -3702,7 +3785,7 @@
           <a:p>
             <a:r>
               <a:rPr lang="en-US" dirty="0" smtClean="0"/>
-              <a:t>What’s the problem?</a:t>
+              <a:t>Go to line 16</a:t>
             </a:r>
             <a:endParaRPr lang="en-US" dirty="0"/>
           </a:p>
@@ -3720,112 +3803,95 @@
         </p:nvSpPr>
         <p:spPr/>
         <p:txBody>
-          <a:bodyPr>
-            <a:normAutofit/>
-          </a:bodyPr>
+          <a:bodyPr/>
           <a:lstStyle/>
           <a:p>
             <a:pPr marL="0" indent="0">
               <a:buNone/>
             </a:pPr>
             <a:r>
-              <a:rPr lang="en-US" sz="2000" dirty="0" smtClean="0"/>
-              <a:t>The problem is a: </a:t>
-            </a:r>
-            <a:r>
-              <a:rPr lang="en-US" sz="2000" b="1" dirty="0" err="1" smtClean="0"/>
-              <a:t>Java.lang.NullPointerException</a:t>
-            </a:r>
-            <a:endParaRPr lang="en-US" sz="2000" b="1" dirty="0" smtClean="0"/>
+              <a:rPr lang="en-US" dirty="0" smtClean="0"/>
+              <a:t>To show line numbers: </a:t>
+            </a:r>
           </a:p>
           <a:p>
             <a:pPr marL="0" indent="0">
               <a:buNone/>
             </a:pPr>
             <a:r>
-              <a:rPr lang="en-US" sz="2000" dirty="0" smtClean="0"/>
-              <a:t>Where? </a:t>
-            </a:r>
-            <a:r>
-              <a:rPr lang="en-US" sz="2000" b="1" dirty="0" smtClean="0"/>
-              <a:t>MainActivity.java</a:t>
-            </a:r>
-            <a:r>
-              <a:rPr lang="en-US" sz="2000" dirty="0" smtClean="0"/>
-              <a:t> at </a:t>
-            </a:r>
-            <a:r>
-              <a:rPr lang="en-US" sz="2000" b="1" dirty="0" smtClean="0"/>
-              <a:t>line 16</a:t>
+              <a:rPr lang="en-US" dirty="0"/>
+              <a:t>	</a:t>
+            </a:r>
+            <a:r>
+              <a:rPr lang="en-US" b="1" dirty="0" smtClean="0"/>
+              <a:t>File</a:t>
+            </a:r>
+            <a:r>
+              <a:rPr lang="en-US" dirty="0" smtClean="0"/>
+              <a:t> -&gt; </a:t>
+            </a:r>
+            <a:r>
+              <a:rPr lang="en-US" b="1" dirty="0" smtClean="0"/>
+              <a:t>Settings </a:t>
+            </a:r>
+            <a:r>
+              <a:rPr lang="en-US" dirty="0" smtClean="0"/>
+              <a:t>-&gt; </a:t>
+            </a:r>
+            <a:r>
+              <a:rPr lang="en-US" b="1" dirty="0" smtClean="0"/>
+              <a:t>Editor </a:t>
+            </a:r>
+            <a:r>
+              <a:rPr lang="en-US" dirty="0" smtClean="0"/>
+              <a:t>-&gt; </a:t>
+            </a:r>
+            <a:r>
+              <a:rPr lang="en-US" b="1" dirty="0" smtClean="0"/>
+              <a:t>Appearance</a:t>
+            </a:r>
+            <a:r>
+              <a:rPr lang="en-US" dirty="0" smtClean="0"/>
+              <a:t> -&gt; </a:t>
+            </a:r>
+            <a:r>
+              <a:rPr lang="en-US" b="1" dirty="0" smtClean="0"/>
+              <a:t>General</a:t>
+            </a:r>
+            <a:r>
+              <a:rPr lang="en-US" dirty="0" smtClean="0"/>
+              <a:t> -&gt; </a:t>
+            </a:r>
+            <a:r>
+              <a:rPr lang="en-US" b="1" dirty="0" smtClean="0"/>
+              <a:t>Show Line Number</a:t>
             </a:r>
           </a:p>
           <a:p>
             <a:pPr marL="0" indent="0">
               <a:buNone/>
             </a:pPr>
-            <a:r>
-              <a:rPr lang="en-US" sz="2000" b="1" dirty="0" smtClean="0"/>
-              <a:t>Tip</a:t>
-            </a:r>
-            <a:r>
-              <a:rPr lang="en-US" sz="2000" dirty="0" smtClean="0"/>
-              <a:t>: Only look at the errors where your files are mentioned to avoid confusion!</a:t>
-            </a:r>
-            <a:endParaRPr lang="en-US" sz="2000" dirty="0"/>
-          </a:p>
-        </p:txBody>
-      </p:sp>
-      <p:pic>
-        <p:nvPicPr>
-          <p:cNvPr id="4098" name="Picture 2" descr="C:\Users\JoshDesktop\OneDrive\Work Things\DubTech\pictures\blog\Lecture 4 Debug\4 Crash Error.PNG"/>
-          <p:cNvPicPr>
-            <a:picLocks noChangeAspect="1" noChangeArrowheads="1"/>
-          </p:cNvPicPr>
-          <p:nvPr/>
-        </p:nvPicPr>
-        <p:blipFill>
-          <a:blip r:embed="rId2">
-            <a:extLst>
-              <a:ext uri="{28A0092B-C50C-407E-A947-70E740481C1C}">
-                <a14:useLocalDpi xmlns:a14="http://schemas.microsoft.com/office/drawing/2010/main" val="0"/>
-              </a:ext>
-            </a:extLst>
-          </a:blip>
-          <a:srcRect/>
-          <a:stretch>
-            <a:fillRect/>
-          </a:stretch>
-        </p:blipFill>
-        <p:spPr bwMode="auto">
-          <a:xfrm>
-            <a:off x="457200" y="3059654"/>
-            <a:ext cx="8153400" cy="3641273"/>
-          </a:xfrm>
-          <a:prstGeom prst="rect">
-            <a:avLst/>
-          </a:prstGeom>
-          <a:noFill/>
-          <a:extLst>
-            <a:ext uri="{909E8E84-426E-40DD-AFC4-6F175D3DCCD1}">
-              <a14:hiddenFill xmlns:a14="http://schemas.microsoft.com/office/drawing/2010/main">
-                <a:solidFill>
-                  <a:srgbClr val="FFFFFF"/>
-                </a:solidFill>
-              </a14:hiddenFill>
-            </a:ext>
-          </a:extLst>
-        </p:spPr>
-      </p:pic>
+            <a:endParaRPr lang="en-US" b="1" dirty="0"/>
+          </a:p>
+        </p:txBody>
+      </p:sp>
     </p:spTree>
     <p:extLst>
       <p:ext uri="{BB962C8B-B14F-4D97-AF65-F5344CB8AC3E}">
-        <p14:creationId xmlns:p14="http://schemas.microsoft.com/office/powerpoint/2010/main" val="3900437882"/>
+        <p14:creationId xmlns:p14="http://schemas.microsoft.com/office/powerpoint/2010/main" val="8504015"/>
       </p:ext>
     </p:extLst>
   </p:cSld>
   <p:clrMapOvr>
     <a:masterClrMapping/>
   </p:clrMapOvr>
+  <p:timing>
+    <p:tnLst>
+      <p:par>
+        <p:cTn id="1" dur="indefinite" restart="never" nodeType="tmRoot"/>
+      </p:par>
+    </p:tnLst>
+  </p:timing>
 </p:sld>
 </file>
 
@@ -3863,7 +3929,7 @@
           <a:p>
             <a:r>
               <a:rPr lang="en-US" dirty="0" smtClean="0"/>
-              <a:t>Go to line 16</a:t>
+              <a:t>Problem and Solution</a:t>
             </a:r>
             <a:endParaRPr lang="en-US" dirty="0"/>
           </a:p>
@@ -3889,87 +3955,96 @@
             </a:pPr>
             <a:r>
               <a:rPr lang="en-US" dirty="0" smtClean="0"/>
-              <a:t>To show line numbers: </a:t>
-            </a:r>
+              <a:t>Problem:</a:t>
+            </a:r>
+          </a:p>
+          <a:p>
+            <a:pPr>
+              <a:buFont typeface="Arial" charset="0"/>
+              <a:buChar char="•"/>
+            </a:pPr>
+            <a:r>
+              <a:rPr lang="en-US" dirty="0" smtClean="0"/>
+              <a:t>We got a </a:t>
+            </a:r>
+            <a:r>
+              <a:rPr lang="en-US" dirty="0" err="1" smtClean="0"/>
+              <a:t>NullPointerException</a:t>
+            </a:r>
+            <a:r>
+              <a:rPr lang="en-US" dirty="0" smtClean="0"/>
+              <a:t>…</a:t>
+            </a:r>
+          </a:p>
+          <a:p>
+            <a:pPr>
+              <a:buFont typeface="Arial" charset="0"/>
+              <a:buChar char="•"/>
+            </a:pPr>
+            <a:r>
+              <a:rPr lang="en-US" dirty="0" smtClean="0"/>
+              <a:t>When we did…</a:t>
+            </a:r>
+            <a:r>
+              <a:rPr lang="en-US" b="1" dirty="0" smtClean="0"/>
+              <a:t> </a:t>
+            </a:r>
+            <a:r>
+              <a:rPr lang="en-US" b="1" dirty="0" err="1" smtClean="0"/>
+              <a:t>button.setText</a:t>
+            </a:r>
+            <a:r>
+              <a:rPr lang="en-US" b="1" dirty="0"/>
+              <a:t>("Click me</a:t>
+            </a:r>
+            <a:r>
+              <a:rPr lang="en-US" b="1" dirty="0" smtClean="0"/>
+              <a:t>!");</a:t>
+            </a:r>
+            <a:r>
+              <a:rPr lang="en-US" dirty="0" smtClean="0"/>
+              <a:t>…</a:t>
+            </a:r>
+            <a:endParaRPr lang="en-US" b="1" dirty="0" smtClean="0"/>
+          </a:p>
+          <a:p>
+            <a:pPr>
+              <a:buFont typeface="Arial" charset="0"/>
+              <a:buChar char="•"/>
+            </a:pPr>
+            <a:endParaRPr lang="en-US" dirty="0"/>
           </a:p>
           <a:p>
             <a:pPr marL="0" indent="0">
               <a:buNone/>
             </a:pPr>
             <a:r>
-              <a:rPr lang="en-US" dirty="0"/>
-              <a:t>	</a:t>
-            </a:r>
-            <a:r>
-              <a:rPr lang="en-US" b="1" dirty="0" smtClean="0"/>
-              <a:t>File</a:t>
-            </a:r>
-            <a:r>
               <a:rPr lang="en-US" dirty="0" smtClean="0"/>
-              <a:t> -&gt; </a:t>
-            </a:r>
-            <a:r>
-              <a:rPr lang="en-US" b="1" dirty="0" smtClean="0"/>
-              <a:t>Settings </a:t>
-            </a:r>
+              <a:t>Solution:</a:t>
+            </a:r>
+          </a:p>
+          <a:p>
+            <a:pPr>
+              <a:buFont typeface="Arial" charset="0"/>
+              <a:buChar char="•"/>
+            </a:pPr>
             <a:r>
               <a:rPr lang="en-US" dirty="0" smtClean="0"/>
-              <a:t>-&gt; </a:t>
-            </a:r>
-            <a:r>
-              <a:rPr lang="en-US" b="1" dirty="0" smtClean="0"/>
-              <a:t>Editor </a:t>
-            </a:r>
-            <a:r>
-              <a:rPr lang="en-US" dirty="0" smtClean="0"/>
-              <a:t>-&gt; </a:t>
-            </a:r>
-            <a:r>
-              <a:rPr lang="en-US" b="1" dirty="0" smtClean="0"/>
-              <a:t>Appearance</a:t>
-            </a:r>
-            <a:r>
-              <a:rPr lang="en-US" dirty="0" smtClean="0"/>
-              <a:t> -&gt; </a:t>
-            </a:r>
-            <a:r>
-              <a:rPr lang="en-US" b="1" dirty="0" smtClean="0"/>
-              <a:t>General</a:t>
-            </a:r>
-            <a:r>
-              <a:rPr lang="en-US" dirty="0" smtClean="0"/>
-              <a:t> -&gt; </a:t>
-            </a:r>
-            <a:r>
-              <a:rPr lang="en-US" b="1" dirty="0" smtClean="0"/>
-              <a:t>Show Line Number</a:t>
-            </a:r>
-          </a:p>
-          <a:p>
-            <a:pPr marL="0" indent="0">
-              <a:buNone/>
-            </a:pPr>
-            <a:endParaRPr lang="en-US" b="1" dirty="0"/>
+              <a:t>We forgot to initialize our button!</a:t>
+            </a:r>
           </a:p>
         </p:txBody>
       </p:sp>
     </p:spTree>
     <p:extLst>
       <p:ext uri="{BB962C8B-B14F-4D97-AF65-F5344CB8AC3E}">
-        <p14:creationId xmlns:p14="http://schemas.microsoft.com/office/powerpoint/2010/main" val="8504015"/>
+        <p14:creationId xmlns:p14="http://schemas.microsoft.com/office/powerpoint/2010/main" val="313857641"/>
       </p:ext>
     </p:extLst>
   </p:cSld>
   <p:clrMapOvr>
     <a:masterClrMapping/>
   </p:clrMapOvr>
-  <p:timing>
-    <p:tnLst>
-      <p:par>
-        <p:cTn id="1" dur="indefinite" restart="never" nodeType="tmRoot"/>
-      </p:par>
-    </p:tnLst>
-  </p:timing>
 </p:sld>
 </file>
 
@@ -4007,7 +4082,7 @@
           <a:p>
             <a:r>
               <a:rPr lang="en-US" dirty="0" smtClean="0"/>
-              <a:t>Problem and Solution</a:t>
+              <a:t>Fix</a:t>
             </a:r>
             <a:endParaRPr lang="en-US" dirty="0"/>
           </a:p>
@@ -4025,98 +4100,436 @@
         </p:nvSpPr>
         <p:spPr/>
         <p:txBody>
-          <a:bodyPr/>
+          <a:bodyPr>
+            <a:normAutofit fontScale="55000" lnSpcReduction="20000"/>
+          </a:bodyPr>
           <a:lstStyle/>
           <a:p>
             <a:pPr marL="0" indent="0">
               <a:buNone/>
             </a:pPr>
             <a:r>
-              <a:rPr lang="en-US" dirty="0" smtClean="0"/>
-              <a:t>Problem:</a:t>
-            </a:r>
-          </a:p>
-          <a:p>
-            <a:pPr>
-              <a:buFont typeface="Arial" charset="0"/>
-              <a:buChar char="•"/>
-            </a:pPr>
-            <a:r>
-              <a:rPr lang="en-US" dirty="0" smtClean="0"/>
-              <a:t>We got a </a:t>
-            </a:r>
-            <a:r>
-              <a:rPr lang="en-US" dirty="0" err="1" smtClean="0"/>
-              <a:t>NullPointerException</a:t>
-            </a:r>
-            <a:r>
-              <a:rPr lang="en-US" dirty="0" smtClean="0"/>
-              <a:t>…</a:t>
-            </a:r>
-          </a:p>
-          <a:p>
-            <a:pPr>
-              <a:buFont typeface="Arial" charset="0"/>
-              <a:buChar char="•"/>
-            </a:pPr>
-            <a:r>
-              <a:rPr lang="en-US" dirty="0" smtClean="0"/>
-              <a:t>When we did…</a:t>
-            </a:r>
-            <a:r>
-              <a:rPr lang="en-US" b="1" dirty="0" smtClean="0"/>
+              <a:rPr lang="en-US" b="1" dirty="0" smtClean="0">
+                <a:solidFill>
+                  <a:srgbClr val="000080"/>
+                </a:solidFill>
+              </a:rPr>
+              <a:t>public </a:t>
+            </a:r>
+            <a:r>
+              <a:rPr lang="en-US" b="1" dirty="0">
+                <a:solidFill>
+                  <a:srgbClr val="000080"/>
+                </a:solidFill>
+              </a:rPr>
+              <a:t>class </a:t>
+            </a:r>
+            <a:r>
+              <a:rPr lang="en-US" dirty="0" err="1"/>
+              <a:t>MainActivity</a:t>
+            </a:r>
+            <a:r>
+              <a:rPr lang="en-US" dirty="0"/>
               <a:t> </a:t>
             </a:r>
             <a:r>
-              <a:rPr lang="en-US" b="1" dirty="0" err="1" smtClean="0"/>
-              <a:t>button.setText</a:t>
-            </a:r>
-            <a:r>
-              <a:rPr lang="en-US" b="1" dirty="0"/>
-              <a:t>("Click me</a:t>
-            </a:r>
-            <a:r>
-              <a:rPr lang="en-US" b="1" dirty="0" smtClean="0"/>
-              <a:t>!");</a:t>
-            </a:r>
-            <a:r>
-              <a:rPr lang="en-US" dirty="0" smtClean="0"/>
-              <a:t>…</a:t>
-            </a:r>
-            <a:endParaRPr lang="en-US" b="1" dirty="0" smtClean="0"/>
-          </a:p>
-          <a:p>
-            <a:pPr>
-              <a:buFont typeface="Arial" charset="0"/>
-              <a:buChar char="•"/>
-            </a:pPr>
+              <a:rPr lang="en-US" b="1" dirty="0">
+                <a:solidFill>
+                  <a:srgbClr val="000080"/>
+                </a:solidFill>
+              </a:rPr>
+              <a:t>extends </a:t>
+            </a:r>
+            <a:r>
+              <a:rPr lang="en-US" dirty="0" err="1"/>
+              <a:t>AppCompatActivity</a:t>
+            </a:r>
+            <a:r>
+              <a:rPr lang="en-US" dirty="0"/>
+              <a:t> {</a:t>
+            </a:r>
+            <a:br>
+              <a:rPr lang="en-US" dirty="0"/>
+            </a:br>
+            <a:r>
+              <a:rPr lang="en-US" dirty="0"/>
+              <a:t>    </a:t>
+            </a:r>
+            <a:r>
+              <a:rPr lang="en-US" b="1" dirty="0" err="1">
+                <a:solidFill>
+                  <a:srgbClr val="000080"/>
+                </a:solidFill>
+              </a:rPr>
+              <a:t>int</a:t>
+            </a:r>
+            <a:r>
+              <a:rPr lang="en-US" b="1" dirty="0">
+                <a:solidFill>
+                  <a:srgbClr val="000080"/>
+                </a:solidFill>
+              </a:rPr>
+              <a:t> </a:t>
+            </a:r>
+            <a:r>
+              <a:rPr lang="en-US" b="1" dirty="0">
+                <a:solidFill>
+                  <a:srgbClr val="660E7A"/>
+                </a:solidFill>
+              </a:rPr>
+              <a:t>clicks</a:t>
+            </a:r>
+            <a:r>
+              <a:rPr lang="en-US" dirty="0"/>
+              <a:t>;</a:t>
+            </a:r>
+            <a:br>
+              <a:rPr lang="en-US" dirty="0"/>
+            </a:br>
+            <a:r>
+              <a:rPr lang="en-US" dirty="0"/>
+              <a:t>    Button </a:t>
+            </a:r>
+            <a:r>
+              <a:rPr lang="en-US" b="1" dirty="0" err="1">
+                <a:solidFill>
+                  <a:srgbClr val="660E7A"/>
+                </a:solidFill>
+              </a:rPr>
+              <a:t>button</a:t>
+            </a:r>
+            <a:r>
+              <a:rPr lang="en-US" dirty="0"/>
+              <a:t>;</a:t>
+            </a:r>
+            <a:br>
+              <a:rPr lang="en-US" dirty="0"/>
+            </a:br>
+            <a:r>
+              <a:rPr lang="en-US" dirty="0"/>
+              <a:t>    </a:t>
+            </a:r>
+            <a:r>
+              <a:rPr lang="en-US" dirty="0">
+                <a:solidFill>
+                  <a:srgbClr val="808000"/>
+                </a:solidFill>
+              </a:rPr>
+              <a:t>@Override</a:t>
+            </a:r>
+            <a:br>
+              <a:rPr lang="en-US" dirty="0">
+                <a:solidFill>
+                  <a:srgbClr val="808000"/>
+                </a:solidFill>
+              </a:rPr>
+            </a:br>
+            <a:r>
+              <a:rPr lang="en-US" dirty="0">
+                <a:solidFill>
+                  <a:srgbClr val="808000"/>
+                </a:solidFill>
+              </a:rPr>
+              <a:t>    </a:t>
+            </a:r>
+            <a:r>
+              <a:rPr lang="en-US" b="1" dirty="0">
+                <a:solidFill>
+                  <a:srgbClr val="000080"/>
+                </a:solidFill>
+              </a:rPr>
+              <a:t>protected void </a:t>
+            </a:r>
+            <a:r>
+              <a:rPr lang="en-US" dirty="0" err="1"/>
+              <a:t>onCreate</a:t>
+            </a:r>
+            <a:r>
+              <a:rPr lang="en-US" dirty="0"/>
+              <a:t>(Bundle </a:t>
+            </a:r>
+            <a:r>
+              <a:rPr lang="en-US" dirty="0" err="1"/>
+              <a:t>savedInstanceState</a:t>
+            </a:r>
+            <a:r>
+              <a:rPr lang="en-US" dirty="0"/>
+              <a:t>) {</a:t>
+            </a:r>
+            <a:br>
+              <a:rPr lang="en-US" dirty="0"/>
+            </a:br>
+            <a:r>
+              <a:rPr lang="en-US" dirty="0"/>
+              <a:t>        </a:t>
+            </a:r>
+            <a:r>
+              <a:rPr lang="en-US" b="1" dirty="0" err="1">
+                <a:solidFill>
+                  <a:srgbClr val="000080"/>
+                </a:solidFill>
+              </a:rPr>
+              <a:t>super</a:t>
+            </a:r>
+            <a:r>
+              <a:rPr lang="en-US" dirty="0" err="1"/>
+              <a:t>.onCreate</a:t>
+            </a:r>
+            <a:r>
+              <a:rPr lang="en-US" dirty="0"/>
+              <a:t>(</a:t>
+            </a:r>
+            <a:r>
+              <a:rPr lang="en-US" dirty="0" err="1"/>
+              <a:t>savedInstanceState</a:t>
+            </a:r>
+            <a:r>
+              <a:rPr lang="en-US" dirty="0"/>
+              <a:t>);</a:t>
+            </a:r>
+            <a:br>
+              <a:rPr lang="en-US" dirty="0"/>
+            </a:br>
+            <a:r>
+              <a:rPr lang="en-US" dirty="0"/>
+              <a:t>        </a:t>
+            </a:r>
+            <a:r>
+              <a:rPr lang="en-US" dirty="0" err="1"/>
+              <a:t>setContentView</a:t>
+            </a:r>
+            <a:r>
+              <a:rPr lang="en-US" dirty="0"/>
+              <a:t>(</a:t>
+            </a:r>
+            <a:r>
+              <a:rPr lang="en-US" dirty="0" err="1"/>
+              <a:t>R.layout.</a:t>
+            </a:r>
+            <a:r>
+              <a:rPr lang="en-US" b="1" i="1" dirty="0" err="1">
+                <a:solidFill>
+                  <a:srgbClr val="660E7A"/>
+                </a:solidFill>
+              </a:rPr>
+              <a:t>activity_main</a:t>
+            </a:r>
+            <a:r>
+              <a:rPr lang="en-US" dirty="0"/>
+              <a:t>);</a:t>
+            </a:r>
+            <a:br>
+              <a:rPr lang="en-US" dirty="0"/>
+            </a:br>
+            <a:r>
+              <a:rPr lang="en-US" dirty="0"/>
+              <a:t/>
+            </a:r>
+            <a:br>
+              <a:rPr lang="en-US" dirty="0"/>
+            </a:br>
+            <a:r>
+              <a:rPr lang="en-US" dirty="0"/>
+              <a:t>        </a:t>
+            </a:r>
+            <a:r>
+              <a:rPr lang="en-US" i="1" dirty="0">
+                <a:solidFill>
+                  <a:srgbClr val="808080"/>
+                </a:solidFill>
+              </a:rPr>
+              <a:t>// Fix #1: initialize the code!</a:t>
+            </a:r>
+            <a:br>
+              <a:rPr lang="en-US" i="1" dirty="0">
+                <a:solidFill>
+                  <a:srgbClr val="808080"/>
+                </a:solidFill>
+              </a:rPr>
+            </a:br>
+            <a:r>
+              <a:rPr lang="en-US" i="1" dirty="0">
+                <a:solidFill>
+                  <a:srgbClr val="808080"/>
+                </a:solidFill>
+              </a:rPr>
+              <a:t>        </a:t>
+            </a:r>
+            <a:r>
+              <a:rPr lang="en-US" b="1" dirty="0">
+                <a:solidFill>
+                  <a:srgbClr val="660E7A"/>
+                </a:solidFill>
+              </a:rPr>
+              <a:t>button </a:t>
+            </a:r>
+            <a:r>
+              <a:rPr lang="en-US" dirty="0"/>
+              <a:t>= (Button) </a:t>
+            </a:r>
+            <a:r>
+              <a:rPr lang="en-US" dirty="0" err="1"/>
+              <a:t>findViewById</a:t>
+            </a:r>
+            <a:r>
+              <a:rPr lang="en-US" dirty="0"/>
+              <a:t>(</a:t>
+            </a:r>
+            <a:r>
+              <a:rPr lang="en-US" dirty="0" err="1"/>
+              <a:t>R.id.</a:t>
+            </a:r>
+            <a:r>
+              <a:rPr lang="en-US" b="1" i="1" dirty="0" err="1">
+                <a:solidFill>
+                  <a:srgbClr val="660E7A"/>
+                </a:solidFill>
+              </a:rPr>
+              <a:t>button</a:t>
+            </a:r>
+            <a:r>
+              <a:rPr lang="en-US" dirty="0"/>
+              <a:t>);</a:t>
+            </a:r>
+            <a:br>
+              <a:rPr lang="en-US" dirty="0"/>
+            </a:br>
+            <a:r>
+              <a:rPr lang="en-US" dirty="0"/>
+              <a:t>        </a:t>
+            </a:r>
+            <a:r>
+              <a:rPr lang="en-US" i="1" dirty="0">
+                <a:solidFill>
+                  <a:srgbClr val="808080"/>
+                </a:solidFill>
+              </a:rPr>
+              <a:t>// Error #1! Didn't initialize!</a:t>
+            </a:r>
+            <a:br>
+              <a:rPr lang="en-US" i="1" dirty="0">
+                <a:solidFill>
+                  <a:srgbClr val="808080"/>
+                </a:solidFill>
+              </a:rPr>
+            </a:br>
+            <a:r>
+              <a:rPr lang="en-US" i="1" dirty="0">
+                <a:solidFill>
+                  <a:srgbClr val="808080"/>
+                </a:solidFill>
+              </a:rPr>
+              <a:t>        </a:t>
+            </a:r>
+            <a:r>
+              <a:rPr lang="en-US" b="1" dirty="0" err="1">
+                <a:solidFill>
+                  <a:srgbClr val="660E7A"/>
+                </a:solidFill>
+              </a:rPr>
+              <a:t>button</a:t>
+            </a:r>
+            <a:r>
+              <a:rPr lang="en-US" dirty="0" err="1"/>
+              <a:t>.setText</a:t>
+            </a:r>
+            <a:r>
+              <a:rPr lang="en-US" dirty="0"/>
+              <a:t>(</a:t>
+            </a:r>
+            <a:r>
+              <a:rPr lang="en-US" b="1" dirty="0">
+                <a:solidFill>
+                  <a:srgbClr val="008000"/>
+                </a:solidFill>
+              </a:rPr>
+              <a:t>"Click me!"</a:t>
+            </a:r>
+            <a:r>
+              <a:rPr lang="en-US" dirty="0"/>
+              <a:t>);</a:t>
+            </a:r>
+            <a:br>
+              <a:rPr lang="en-US" dirty="0"/>
+            </a:br>
+            <a:r>
+              <a:rPr lang="en-US" dirty="0"/>
+              <a:t>    }</a:t>
+            </a:r>
+            <a:br>
+              <a:rPr lang="en-US" dirty="0"/>
+            </a:br>
+            <a:r>
+              <a:rPr lang="en-US" dirty="0"/>
+              <a:t/>
+            </a:r>
+            <a:br>
+              <a:rPr lang="en-US" dirty="0"/>
+            </a:br>
+            <a:r>
+              <a:rPr lang="en-US" dirty="0"/>
+              <a:t>    </a:t>
+            </a:r>
+            <a:r>
+              <a:rPr lang="en-US" b="1" dirty="0">
+                <a:solidFill>
+                  <a:srgbClr val="000080"/>
+                </a:solidFill>
+              </a:rPr>
+              <a:t>public void </a:t>
+            </a:r>
+            <a:r>
+              <a:rPr lang="en-US" dirty="0" err="1"/>
+              <a:t>incrementClick</a:t>
+            </a:r>
+            <a:r>
+              <a:rPr lang="en-US" dirty="0"/>
+              <a:t>(View view) {</a:t>
+            </a:r>
+            <a:br>
+              <a:rPr lang="en-US" dirty="0"/>
+            </a:br>
+            <a:r>
+              <a:rPr lang="en-US" dirty="0"/>
+              <a:t>        </a:t>
+            </a:r>
+            <a:r>
+              <a:rPr lang="en-US" b="1" dirty="0">
+                <a:solidFill>
+                  <a:srgbClr val="660E7A"/>
+                </a:solidFill>
+              </a:rPr>
+              <a:t>clicks</a:t>
+            </a:r>
+            <a:r>
+              <a:rPr lang="en-US" dirty="0"/>
+              <a:t>++;</a:t>
+            </a:r>
+            <a:br>
+              <a:rPr lang="en-US" dirty="0"/>
+            </a:br>
+            <a:r>
+              <a:rPr lang="en-US" dirty="0"/>
+              <a:t>    }</a:t>
+            </a:r>
+            <a:br>
+              <a:rPr lang="en-US" dirty="0"/>
+            </a:br>
+            <a:r>
+              <a:rPr lang="en-US" dirty="0"/>
+              <a:t>}</a:t>
+            </a:r>
+            <a:br>
+              <a:rPr lang="en-US" dirty="0"/>
+            </a:br>
             <a:endParaRPr lang="en-US" dirty="0"/>
-          </a:p>
-          <a:p>
-            <a:pPr marL="0" indent="0">
-              <a:buNone/>
-            </a:pPr>
-            <a:r>
-              <a:rPr lang="en-US" dirty="0" smtClean="0"/>
-              <a:t>Solution:</a:t>
-            </a:r>
-          </a:p>
-          <a:p>
-            <a:pPr>
-              <a:buFont typeface="Arial" charset="0"/>
-              <a:buChar char="•"/>
-            </a:pPr>
-            <a:r>
-              <a:rPr lang="en-US" dirty="0" smtClean="0"/>
-              <a:t>We forgot to initialize our button!</a:t>
-            </a:r>
           </a:p>
         </p:txBody>
       </p:sp>
     </p:spTree>
     <p:extLst>
       <p:ext uri="{BB962C8B-B14F-4D97-AF65-F5344CB8AC3E}">
-        <p14:creationId xmlns:p14="http://schemas.microsoft.com/office/powerpoint/2010/main" val="313857641"/>
+        <p14:creationId xmlns:p14="http://schemas.microsoft.com/office/powerpoint/2010/main" val="3668945643"/>
       </p:ext>
     </p:extLst>
   </p:cSld>
@@ -4150,497 +4563,6 @@
             <a:spLocks noGrp="1"/>
           </p:cNvSpPr>
           <p:nvPr>
-            <p:ph type="title"/>
-          </p:nvPr>
-        </p:nvSpPr>
-        <p:spPr/>
-        <p:txBody>
-          <a:bodyPr/>
-          <a:lstStyle/>
-          <a:p>
-            <a:r>
-              <a:rPr lang="en-US" dirty="0" smtClean="0"/>
-              <a:t>Fix</a:t>
-            </a:r>
-            <a:endParaRPr lang="en-US" dirty="0"/>
-          </a:p>
-        </p:txBody>
-      </p:sp>
-      <p:sp>
-        <p:nvSpPr>
-          <p:cNvPr id="3" name="Content Placeholder 2"/>
-          <p:cNvSpPr>
-            <a:spLocks noGrp="1"/>
-          </p:cNvSpPr>
-          <p:nvPr>
-            <p:ph idx="1"/>
-          </p:nvPr>
-        </p:nvSpPr>
-        <p:spPr/>
-        <p:txBody>
-          <a:bodyPr>
-            <a:normAutofit fontScale="55000" lnSpcReduction="20000"/>
-          </a:bodyPr>
-          <a:lstStyle/>
-          <a:p>
-            <a:pPr marL="0" indent="0">
-              <a:buNone/>
-            </a:pPr>
-            <a:r>
-              <a:rPr lang="en-US" b="1" dirty="0" smtClean="0">
-                <a:solidFill>
-                  <a:srgbClr val="000080"/>
-                </a:solidFill>
-              </a:rPr>
-              <a:t>public </a:t>
-            </a:r>
-            <a:r>
-              <a:rPr lang="en-US" b="1" dirty="0">
-                <a:solidFill>
-                  <a:srgbClr val="000080"/>
-                </a:solidFill>
-              </a:rPr>
-              <a:t>class </a:t>
-            </a:r>
-            <a:r>
-              <a:rPr lang="en-US" dirty="0" err="1"/>
-              <a:t>MainActivity</a:t>
-            </a:r>
-            <a:r>
-              <a:rPr lang="en-US" dirty="0"/>
-              <a:t> </a:t>
-            </a:r>
-            <a:r>
-              <a:rPr lang="en-US" b="1" dirty="0">
-                <a:solidFill>
-                  <a:srgbClr val="000080"/>
-                </a:solidFill>
-              </a:rPr>
-              <a:t>extends </a:t>
-            </a:r>
-            <a:r>
-              <a:rPr lang="en-US" dirty="0" err="1"/>
-              <a:t>AppCompatActivity</a:t>
-            </a:r>
-            <a:r>
-              <a:rPr lang="en-US" dirty="0"/>
-              <a:t> {</a:t>
-            </a:r>
-            <a:br>
-              <a:rPr lang="en-US" dirty="0"/>
-            </a:br>
-            <a:r>
-              <a:rPr lang="en-US" dirty="0"/>
-              <a:t>    </a:t>
-            </a:r>
-            <a:r>
-              <a:rPr lang="en-US" b="1" dirty="0" err="1">
-                <a:solidFill>
-                  <a:srgbClr val="000080"/>
-                </a:solidFill>
-              </a:rPr>
-              <a:t>int</a:t>
-            </a:r>
-            <a:r>
-              <a:rPr lang="en-US" b="1" dirty="0">
-                <a:solidFill>
-                  <a:srgbClr val="000080"/>
-                </a:solidFill>
-              </a:rPr>
-              <a:t> </a:t>
-            </a:r>
-            <a:r>
-              <a:rPr lang="en-US" b="1" dirty="0">
-                <a:solidFill>
-                  <a:srgbClr val="660E7A"/>
-                </a:solidFill>
-              </a:rPr>
-              <a:t>clicks</a:t>
-            </a:r>
-            <a:r>
-              <a:rPr lang="en-US" dirty="0"/>
-              <a:t>;</a:t>
-            </a:r>
-            <a:br>
-              <a:rPr lang="en-US" dirty="0"/>
-            </a:br>
-            <a:r>
-              <a:rPr lang="en-US" dirty="0"/>
-              <a:t>    Button </a:t>
-            </a:r>
-            <a:r>
-              <a:rPr lang="en-US" b="1" dirty="0" err="1">
-                <a:solidFill>
-                  <a:srgbClr val="660E7A"/>
-                </a:solidFill>
-              </a:rPr>
-              <a:t>button</a:t>
-            </a:r>
-            <a:r>
-              <a:rPr lang="en-US" dirty="0"/>
-              <a:t>;</a:t>
-            </a:r>
-            <a:br>
-              <a:rPr lang="en-US" dirty="0"/>
-            </a:br>
-            <a:r>
-              <a:rPr lang="en-US" dirty="0"/>
-              <a:t>    </a:t>
-            </a:r>
-            <a:r>
-              <a:rPr lang="en-US" dirty="0">
-                <a:solidFill>
-                  <a:srgbClr val="808000"/>
-                </a:solidFill>
-              </a:rPr>
-              <a:t>@Override</a:t>
-            </a:r>
-            <a:br>
-              <a:rPr lang="en-US" dirty="0">
-                <a:solidFill>
-                  <a:srgbClr val="808000"/>
-                </a:solidFill>
-              </a:rPr>
-            </a:br>
-            <a:r>
-              <a:rPr lang="en-US" dirty="0">
-                <a:solidFill>
-                  <a:srgbClr val="808000"/>
-                </a:solidFill>
-              </a:rPr>
-              <a:t>    </a:t>
-            </a:r>
-            <a:r>
-              <a:rPr lang="en-US" b="1" dirty="0">
-                <a:solidFill>
-                  <a:srgbClr val="000080"/>
-                </a:solidFill>
-              </a:rPr>
-              <a:t>protected void </a:t>
-            </a:r>
-            <a:r>
-              <a:rPr lang="en-US" dirty="0" err="1"/>
-              <a:t>onCreate</a:t>
-            </a:r>
-            <a:r>
-              <a:rPr lang="en-US" dirty="0"/>
-              <a:t>(Bundle </a:t>
-            </a:r>
-            <a:r>
-              <a:rPr lang="en-US" dirty="0" err="1"/>
-              <a:t>savedInstanceState</a:t>
-            </a:r>
-            <a:r>
-              <a:rPr lang="en-US" dirty="0"/>
-              <a:t>) {</a:t>
-            </a:r>
-            <a:br>
-              <a:rPr lang="en-US" dirty="0"/>
-            </a:br>
-            <a:r>
-              <a:rPr lang="en-US" dirty="0"/>
-              <a:t>        </a:t>
-            </a:r>
-            <a:r>
-              <a:rPr lang="en-US" b="1" dirty="0" err="1">
-                <a:solidFill>
-                  <a:srgbClr val="000080"/>
-                </a:solidFill>
-              </a:rPr>
-              <a:t>super</a:t>
-            </a:r>
-            <a:r>
-              <a:rPr lang="en-US" dirty="0" err="1"/>
-              <a:t>.onCreate</a:t>
-            </a:r>
-            <a:r>
-              <a:rPr lang="en-US" dirty="0"/>
-              <a:t>(</a:t>
-            </a:r>
-            <a:r>
-              <a:rPr lang="en-US" dirty="0" err="1"/>
-              <a:t>savedInstanceState</a:t>
-            </a:r>
-            <a:r>
-              <a:rPr lang="en-US" dirty="0"/>
-              <a:t>);</a:t>
-            </a:r>
-            <a:br>
-              <a:rPr lang="en-US" dirty="0"/>
-            </a:br>
-            <a:r>
-              <a:rPr lang="en-US" dirty="0"/>
-              <a:t>        </a:t>
-            </a:r>
-            <a:r>
-              <a:rPr lang="en-US" dirty="0" err="1"/>
-              <a:t>setContentView</a:t>
-            </a:r>
-            <a:r>
-              <a:rPr lang="en-US" dirty="0"/>
-              <a:t>(</a:t>
-            </a:r>
-            <a:r>
-              <a:rPr lang="en-US" dirty="0" err="1"/>
-              <a:t>R.layout.</a:t>
-            </a:r>
-            <a:r>
-              <a:rPr lang="en-US" b="1" i="1" dirty="0" err="1">
-                <a:solidFill>
-                  <a:srgbClr val="660E7A"/>
-                </a:solidFill>
-              </a:rPr>
-              <a:t>activity_main</a:t>
-            </a:r>
-            <a:r>
-              <a:rPr lang="en-US" dirty="0"/>
-              <a:t>);</a:t>
-            </a:r>
-            <a:br>
-              <a:rPr lang="en-US" dirty="0"/>
-            </a:br>
-            <a:r>
-              <a:rPr lang="en-US" dirty="0"/>
-              <a:t/>
-            </a:r>
-            <a:br>
-              <a:rPr lang="en-US" dirty="0"/>
-            </a:br>
-            <a:r>
-              <a:rPr lang="en-US" dirty="0"/>
-              <a:t>        </a:t>
-            </a:r>
-            <a:r>
-              <a:rPr lang="en-US" i="1" dirty="0">
-                <a:solidFill>
-                  <a:srgbClr val="808080"/>
-                </a:solidFill>
-              </a:rPr>
-              <a:t>// Fix #1: initialize the code!</a:t>
-            </a:r>
-            <a:br>
-              <a:rPr lang="en-US" i="1" dirty="0">
-                <a:solidFill>
-                  <a:srgbClr val="808080"/>
-                </a:solidFill>
-              </a:rPr>
-            </a:br>
-            <a:r>
-              <a:rPr lang="en-US" i="1" dirty="0">
-                <a:solidFill>
-                  <a:srgbClr val="808080"/>
-                </a:solidFill>
-              </a:rPr>
-              <a:t>        </a:t>
-            </a:r>
-            <a:r>
-              <a:rPr lang="en-US" b="1" dirty="0">
-                <a:solidFill>
-                  <a:srgbClr val="660E7A"/>
-                </a:solidFill>
-              </a:rPr>
-              <a:t>button </a:t>
-            </a:r>
-            <a:r>
-              <a:rPr lang="en-US" dirty="0"/>
-              <a:t>= (Button) </a:t>
-            </a:r>
-            <a:r>
-              <a:rPr lang="en-US" dirty="0" err="1"/>
-              <a:t>findViewById</a:t>
-            </a:r>
-            <a:r>
-              <a:rPr lang="en-US" dirty="0"/>
-              <a:t>(</a:t>
-            </a:r>
-            <a:r>
-              <a:rPr lang="en-US" dirty="0" err="1"/>
-              <a:t>R.id.</a:t>
-            </a:r>
-            <a:r>
-              <a:rPr lang="en-US" b="1" i="1" dirty="0" err="1">
-                <a:solidFill>
-                  <a:srgbClr val="660E7A"/>
-                </a:solidFill>
-              </a:rPr>
-              <a:t>button</a:t>
-            </a:r>
-            <a:r>
-              <a:rPr lang="en-US" dirty="0"/>
-              <a:t>);</a:t>
-            </a:r>
-            <a:br>
-              <a:rPr lang="en-US" dirty="0"/>
-            </a:br>
-            <a:r>
-              <a:rPr lang="en-US" dirty="0"/>
-              <a:t>        </a:t>
-            </a:r>
-            <a:r>
-              <a:rPr lang="en-US" i="1" dirty="0">
-                <a:solidFill>
-                  <a:srgbClr val="808080"/>
-                </a:solidFill>
-              </a:rPr>
-              <a:t>// Error #1! Didn't initialize!</a:t>
-            </a:r>
-            <a:br>
-              <a:rPr lang="en-US" i="1" dirty="0">
-                <a:solidFill>
-                  <a:srgbClr val="808080"/>
-                </a:solidFill>
-              </a:rPr>
-            </a:br>
-            <a:r>
-              <a:rPr lang="en-US" i="1" dirty="0">
-                <a:solidFill>
-                  <a:srgbClr val="808080"/>
-                </a:solidFill>
-              </a:rPr>
-              <a:t>        </a:t>
-            </a:r>
-            <a:r>
-              <a:rPr lang="en-US" b="1" dirty="0" err="1">
-                <a:solidFill>
-                  <a:srgbClr val="660E7A"/>
-                </a:solidFill>
-              </a:rPr>
-              <a:t>button</a:t>
-            </a:r>
-            <a:r>
-              <a:rPr lang="en-US" dirty="0" err="1"/>
-              <a:t>.setText</a:t>
-            </a:r>
-            <a:r>
-              <a:rPr lang="en-US" dirty="0"/>
-              <a:t>(</a:t>
-            </a:r>
-            <a:r>
-              <a:rPr lang="en-US" b="1" dirty="0">
-                <a:solidFill>
-                  <a:srgbClr val="008000"/>
-                </a:solidFill>
-              </a:rPr>
-              <a:t>"Click me!"</a:t>
-            </a:r>
-            <a:r>
-              <a:rPr lang="en-US" dirty="0"/>
-              <a:t>);</a:t>
-            </a:r>
-            <a:br>
-              <a:rPr lang="en-US" dirty="0"/>
-            </a:br>
-            <a:r>
-              <a:rPr lang="en-US" dirty="0"/>
-              <a:t>    }</a:t>
-            </a:r>
-            <a:br>
-              <a:rPr lang="en-US" dirty="0"/>
-            </a:br>
-            <a:r>
-              <a:rPr lang="en-US" dirty="0"/>
-              <a:t/>
-            </a:r>
-            <a:br>
-              <a:rPr lang="en-US" dirty="0"/>
-            </a:br>
-            <a:r>
-              <a:rPr lang="en-US" dirty="0"/>
-              <a:t>    </a:t>
-            </a:r>
-            <a:r>
-              <a:rPr lang="en-US" b="1" dirty="0">
-                <a:solidFill>
-                  <a:srgbClr val="000080"/>
-                </a:solidFill>
-              </a:rPr>
-              <a:t>public void </a:t>
-            </a:r>
-            <a:r>
-              <a:rPr lang="en-US" dirty="0" err="1"/>
-              <a:t>incrementClick</a:t>
-            </a:r>
-            <a:r>
-              <a:rPr lang="en-US" dirty="0"/>
-              <a:t>(View view) {</a:t>
-            </a:r>
-            <a:br>
-              <a:rPr lang="en-US" dirty="0"/>
-            </a:br>
-            <a:r>
-              <a:rPr lang="en-US" dirty="0"/>
-              <a:t>        </a:t>
-            </a:r>
-            <a:r>
-              <a:rPr lang="en-US" b="1" dirty="0">
-                <a:solidFill>
-                  <a:srgbClr val="660E7A"/>
-                </a:solidFill>
-              </a:rPr>
-              <a:t>clicks</a:t>
-            </a:r>
-            <a:r>
-              <a:rPr lang="en-US" dirty="0"/>
-              <a:t>++;</a:t>
-            </a:r>
-            <a:br>
-              <a:rPr lang="en-US" dirty="0"/>
-            </a:br>
-            <a:r>
-              <a:rPr lang="en-US" dirty="0"/>
-              <a:t>    }</a:t>
-            </a:r>
-            <a:br>
-              <a:rPr lang="en-US" dirty="0"/>
-            </a:br>
-            <a:r>
-              <a:rPr lang="en-US" dirty="0"/>
-              <a:t>}</a:t>
-            </a:r>
-            <a:br>
-              <a:rPr lang="en-US" dirty="0"/>
-            </a:br>
-            <a:endParaRPr lang="en-US" dirty="0"/>
-          </a:p>
-        </p:txBody>
-      </p:sp>
-    </p:spTree>
-    <p:extLst>
-      <p:ext uri="{BB962C8B-B14F-4D97-AF65-F5344CB8AC3E}">
-        <p14:creationId xmlns:p14="http://schemas.microsoft.com/office/powerpoint/2010/main" val="3668945643"/>
-      </p:ext>
-    </p:extLst>
-  </p:cSld>
-  <p:clrMapOvr>
-    <a:masterClrMapping/>
-  </p:clrMapOvr>
-</p:sld>
-</file>
-
-<file path=ppt/slides/slide14.xml><?xml version="1.0" encoding="utf-8"?>
-<p:sld xmlns:a="http://schemas.openxmlformats.org/drawingml/2006/main" xmlns:r="http://schemas.openxmlformats.org/officeDocument/2006/relationships" xmlns:p="http://schemas.openxmlformats.org/presentationml/2006/main">
-  <p:cSld>
-    <p:spTree>
-      <p:nvGrpSpPr>
-        <p:cNvPr id="1" name=""/>
-        <p:cNvGrpSpPr/>
-        <p:nvPr/>
-      </p:nvGrpSpPr>
-      <p:grpSpPr>
-        <a:xfrm>
-          <a:off x="0" y="0"/>
-          <a:ext cx="0" cy="0"/>
-          <a:chOff x="0" y="0"/>
-          <a:chExt cx="0" cy="0"/>
-        </a:xfrm>
-      </p:grpSpPr>
-      <p:sp>
-        <p:nvSpPr>
-          <p:cNvPr id="2" name="Title 1"/>
-          <p:cNvSpPr>
-            <a:spLocks noGrp="1"/>
-          </p:cNvSpPr>
-          <p:nvPr>
             <p:ph type="ctrTitle"/>
           </p:nvPr>
         </p:nvSpPr>
@@ -4696,7 +4618,7 @@
 </p:sld>
 </file>
 
-<file path=ppt/slides/slide15.xml><?xml version="1.0" encoding="utf-8"?>
+<file path=ppt/slides/slide14.xml><?xml version="1.0" encoding="utf-8"?>
 <p:sld xmlns:a="http://schemas.openxmlformats.org/drawingml/2006/main" xmlns:r="http://schemas.openxmlformats.org/officeDocument/2006/relationships" xmlns:p="http://schemas.openxmlformats.org/presentationml/2006/main">
   <p:cSld>
     <p:spTree>
@@ -4821,6 +4743,144 @@
 </p:sld>
 </file>
 
+<file path=ppt/slides/slide15.xml><?xml version="1.0" encoding="utf-8"?>
+<p:sld xmlns:a="http://schemas.openxmlformats.org/drawingml/2006/main" xmlns:r="http://schemas.openxmlformats.org/officeDocument/2006/relationships" xmlns:p="http://schemas.openxmlformats.org/presentationml/2006/main">
+  <p:cSld>
+    <p:spTree>
+      <p:nvGrpSpPr>
+        <p:cNvPr id="1" name=""/>
+        <p:cNvGrpSpPr/>
+        <p:nvPr/>
+      </p:nvGrpSpPr>
+      <p:grpSpPr>
+        <a:xfrm>
+          <a:off x="0" y="0"/>
+          <a:ext cx="0" cy="0"/>
+          <a:chOff x="0" y="0"/>
+          <a:chExt cx="0" cy="0"/>
+        </a:xfrm>
+      </p:grpSpPr>
+      <p:sp>
+        <p:nvSpPr>
+          <p:cNvPr id="2" name="Title 1"/>
+          <p:cNvSpPr>
+            <a:spLocks noGrp="1"/>
+          </p:cNvSpPr>
+          <p:nvPr>
+            <p:ph type="title"/>
+          </p:nvPr>
+        </p:nvSpPr>
+        <p:spPr/>
+        <p:txBody>
+          <a:bodyPr/>
+          <a:lstStyle/>
+          <a:p>
+            <a:r>
+              <a:rPr lang="en-US" dirty="0" smtClean="0"/>
+              <a:t>How To Use Toast</a:t>
+            </a:r>
+            <a:endParaRPr lang="en-US" dirty="0"/>
+          </a:p>
+        </p:txBody>
+      </p:sp>
+      <p:sp>
+        <p:nvSpPr>
+          <p:cNvPr id="3" name="Content Placeholder 2"/>
+          <p:cNvSpPr>
+            <a:spLocks noGrp="1"/>
+          </p:cNvSpPr>
+          <p:nvPr>
+            <p:ph idx="1"/>
+          </p:nvPr>
+        </p:nvSpPr>
+        <p:spPr/>
+        <p:txBody>
+          <a:bodyPr/>
+          <a:lstStyle/>
+          <a:p>
+            <a:r>
+              <a:rPr lang="en-US" dirty="0" err="1"/>
+              <a:t>Toast.</a:t>
+            </a:r>
+            <a:r>
+              <a:rPr lang="en-US" i="1" dirty="0" err="1"/>
+              <a:t>makeText</a:t>
+            </a:r>
+            <a:r>
+              <a:rPr lang="en-US" dirty="0"/>
+              <a:t>(</a:t>
+            </a:r>
+            <a:r>
+              <a:rPr lang="en-US" b="1" dirty="0"/>
+              <a:t>this</a:t>
+            </a:r>
+            <a:r>
+              <a:rPr lang="en-US" dirty="0"/>
+              <a:t>, </a:t>
+            </a:r>
+            <a:r>
+              <a:rPr lang="en-US" b="1" dirty="0" smtClean="0"/>
+              <a:t>“Your Message”</a:t>
+            </a:r>
+            <a:r>
+              <a:rPr lang="en-US" dirty="0" smtClean="0"/>
+              <a:t>, </a:t>
+            </a:r>
+            <a:r>
+              <a:rPr lang="en-US" dirty="0" err="1"/>
+              <a:t>Toast.</a:t>
+            </a:r>
+            <a:r>
+              <a:rPr lang="en-US" b="1" i="1" dirty="0" err="1"/>
+              <a:t>LENGTH_LONG</a:t>
+            </a:r>
+            <a:r>
+              <a:rPr lang="en-US" dirty="0"/>
+              <a:t>).show</a:t>
+            </a:r>
+            <a:r>
+              <a:rPr lang="en-US" dirty="0" smtClean="0"/>
+              <a:t>();</a:t>
+            </a:r>
+          </a:p>
+          <a:p>
+            <a:pPr lvl="1"/>
+            <a:r>
+              <a:rPr lang="en-US" dirty="0" smtClean="0"/>
+              <a:t>Two options for length</a:t>
+            </a:r>
+          </a:p>
+          <a:p>
+            <a:pPr lvl="2"/>
+            <a:r>
+              <a:rPr lang="en-US" dirty="0" err="1" smtClean="0"/>
+              <a:t>Toast.LENGTH_LONG</a:t>
+            </a:r>
+            <a:endParaRPr lang="en-US" dirty="0" smtClean="0"/>
+          </a:p>
+          <a:p>
+            <a:pPr lvl="2"/>
+            <a:r>
+              <a:rPr lang="en-US" dirty="0" err="1" smtClean="0"/>
+              <a:t>Toast.LENGTH_SHORT</a:t>
+            </a:r>
+            <a:endParaRPr lang="en-US" dirty="0" smtClean="0"/>
+          </a:p>
+        </p:txBody>
+      </p:sp>
+    </p:spTree>
+    <p:extLst>
+      <p:ext uri="{BB962C8B-B14F-4D97-AF65-F5344CB8AC3E}">
+        <p14:creationId xmlns:p14="http://schemas.microsoft.com/office/powerpoint/2010/main" val="1041584263"/>
+      </p:ext>
+    </p:extLst>
+  </p:cSld>
+  <p:clrMapOvr>
+    <a:masterClrMapping/>
+  </p:clrMapOvr>
+</p:sld>
+</file>
+
 <file path=ppt/slides/slide16.xml><?xml version="1.0" encoding="utf-8"?>
 <p:sld xmlns:a="http://schemas.openxmlformats.org/drawingml/2006/main" xmlns:r="http://schemas.openxmlformats.org/officeDocument/2006/relationships" xmlns:p="http://schemas.openxmlformats.org/presentationml/2006/main">
   <p:cSld>
@@ -4855,7 +4915,7 @@
           <a:p>
             <a:r>
               <a:rPr lang="en-US" dirty="0" smtClean="0"/>
-              <a:t>How To Use Toast</a:t>
+              <a:t>Next Goal</a:t>
             </a:r>
             <a:endParaRPr lang="en-US" dirty="0"/>
           </a:p>
@@ -4876,80 +4936,29 @@
           <a:bodyPr/>
           <a:lstStyle/>
           <a:p>
-            <a:r>
-              <a:rPr lang="en-US" dirty="0" err="1"/>
-              <a:t>Toast.</a:t>
-            </a:r>
-            <a:r>
-              <a:rPr lang="en-US" i="1" dirty="0" err="1"/>
-              <a:t>makeText</a:t>
-            </a:r>
-            <a:r>
-              <a:rPr lang="en-US" dirty="0"/>
-              <a:t>(</a:t>
-            </a:r>
-            <a:r>
-              <a:rPr lang="en-US" b="1" dirty="0"/>
-              <a:t>this</a:t>
-            </a:r>
-            <a:r>
-              <a:rPr lang="en-US" dirty="0"/>
-              <a:t>, </a:t>
-            </a:r>
-            <a:r>
-              <a:rPr lang="en-US" b="1" dirty="0" smtClean="0"/>
-              <a:t>“Your Message”</a:t>
-            </a:r>
+            <a:pPr marL="0" indent="0">
+              <a:buNone/>
+            </a:pPr>
             <a:r>
               <a:rPr lang="en-US" dirty="0" smtClean="0"/>
-              <a:t>, </a:t>
-            </a:r>
-            <a:r>
-              <a:rPr lang="en-US" dirty="0" err="1"/>
-              <a:t>Toast.</a:t>
-            </a:r>
-            <a:r>
-              <a:rPr lang="en-US" b="1" i="1" dirty="0" err="1"/>
-              <a:t>LENGTH_LONG</a:t>
-            </a:r>
-            <a:r>
-              <a:rPr lang="en-US" dirty="0"/>
-              <a:t>).show</a:t>
+              <a:t>Goal: Initialize our click variable and every 5</a:t>
+            </a:r>
+            <a:r>
+              <a:rPr lang="en-US" baseline="30000" dirty="0" smtClean="0"/>
+              <a:t>th</a:t>
             </a:r>
             <a:r>
               <a:rPr lang="en-US" dirty="0" smtClean="0"/>
-              <a:t>();</a:t>
-            </a:r>
-          </a:p>
-          <a:p>
-            <a:pPr lvl="1"/>
-            <a:r>
-              <a:rPr lang="en-US" dirty="0" smtClean="0"/>
-              <a:t>Two options for length</a:t>
-            </a:r>
-          </a:p>
-          <a:p>
-            <a:pPr lvl="2"/>
-            <a:r>
-              <a:rPr lang="en-US" dirty="0" err="1" smtClean="0"/>
-              <a:t>Toast.LENGTH_LONG</a:t>
-            </a:r>
-            <a:endParaRPr lang="en-US" dirty="0" smtClean="0"/>
-          </a:p>
-          <a:p>
-            <a:pPr lvl="2"/>
-            <a:r>
-              <a:rPr lang="en-US" dirty="0" err="1" smtClean="0"/>
-              <a:t>Toast.LENGTH_SHORT</a:t>
-            </a:r>
-            <a:endParaRPr lang="en-US" dirty="0" smtClean="0"/>
+              <a:t> time it gets hit we send a Toast</a:t>
+            </a:r>
+            <a:endParaRPr lang="en-US" dirty="0"/>
           </a:p>
         </p:txBody>
       </p:sp>
     </p:spTree>
     <p:extLst>
       <p:ext uri="{BB962C8B-B14F-4D97-AF65-F5344CB8AC3E}">
-        <p14:creationId xmlns:p14="http://schemas.microsoft.com/office/powerpoint/2010/main" val="1041584263"/>
+        <p14:creationId xmlns:p14="http://schemas.microsoft.com/office/powerpoint/2010/main" val="701929556"/>
       </p:ext>
     </p:extLst>
   </p:cSld>
@@ -4993,7 +5002,7 @@
           <a:p>
             <a:r>
               <a:rPr lang="en-US" dirty="0" smtClean="0"/>
-              <a:t>Next Goal</a:t>
+              <a:t>Using Toast!</a:t>
             </a:r>
             <a:endParaRPr lang="en-US" dirty="0"/>
           </a:p>
@@ -5011,24 +5020,637 @@
         </p:nvSpPr>
         <p:spPr/>
         <p:txBody>
-          <a:bodyPr/>
+          <a:bodyPr>
+            <a:normAutofit fontScale="40000" lnSpcReduction="20000"/>
+          </a:bodyPr>
           <a:lstStyle/>
           <a:p>
             <a:pPr marL="0" indent="0">
               <a:buNone/>
             </a:pPr>
             <a:r>
-              <a:rPr lang="en-US" dirty="0" smtClean="0"/>
-              <a:t>Goal: Initialize our click variable and every 5</a:t>
-            </a:r>
-            <a:r>
-              <a:rPr lang="en-US" baseline="30000" dirty="0" smtClean="0"/>
-              <a:t>th</a:t>
-            </a:r>
-            <a:r>
-              <a:rPr lang="en-US" dirty="0" smtClean="0"/>
-              <a:t> time it gets hit we send a Toast</a:t>
-            </a:r>
+              <a:rPr lang="en-US" b="1" dirty="0">
+                <a:solidFill>
+                  <a:srgbClr val="000080"/>
+                </a:solidFill>
+              </a:rPr>
+              <a:t>public class </a:t>
+            </a:r>
+            <a:r>
+              <a:rPr lang="en-US" dirty="0" err="1"/>
+              <a:t>MainActivity</a:t>
+            </a:r>
+            <a:r>
+              <a:rPr lang="en-US" dirty="0"/>
+              <a:t> </a:t>
+            </a:r>
+            <a:r>
+              <a:rPr lang="en-US" b="1" dirty="0">
+                <a:solidFill>
+                  <a:srgbClr val="000080"/>
+                </a:solidFill>
+              </a:rPr>
+              <a:t>extends </a:t>
+            </a:r>
+            <a:r>
+              <a:rPr lang="en-US" dirty="0" err="1"/>
+              <a:t>AppCompatActivity</a:t>
+            </a:r>
+            <a:r>
+              <a:rPr lang="en-US" dirty="0"/>
+              <a:t> {</a:t>
+            </a:r>
+            <a:br>
+              <a:rPr lang="en-US" dirty="0"/>
+            </a:br>
+            <a:r>
+              <a:rPr lang="en-US" dirty="0"/>
+              <a:t>    </a:t>
+            </a:r>
+            <a:r>
+              <a:rPr lang="en-US" b="1" dirty="0" err="1">
+                <a:solidFill>
+                  <a:srgbClr val="000080"/>
+                </a:solidFill>
+              </a:rPr>
+              <a:t>int</a:t>
+            </a:r>
+            <a:r>
+              <a:rPr lang="en-US" b="1" dirty="0">
+                <a:solidFill>
+                  <a:srgbClr val="000080"/>
+                </a:solidFill>
+              </a:rPr>
+              <a:t> </a:t>
+            </a:r>
+            <a:r>
+              <a:rPr lang="en-US" b="1" dirty="0">
+                <a:solidFill>
+                  <a:srgbClr val="660E7A"/>
+                </a:solidFill>
+              </a:rPr>
+              <a:t>clicks</a:t>
+            </a:r>
+            <a:r>
+              <a:rPr lang="en-US" dirty="0"/>
+              <a:t>;</a:t>
+            </a:r>
+            <a:br>
+              <a:rPr lang="en-US" dirty="0"/>
+            </a:br>
+            <a:r>
+              <a:rPr lang="en-US" dirty="0"/>
+              <a:t>    Button </a:t>
+            </a:r>
+            <a:r>
+              <a:rPr lang="en-US" b="1" dirty="0" err="1">
+                <a:solidFill>
+                  <a:srgbClr val="660E7A"/>
+                </a:solidFill>
+              </a:rPr>
+              <a:t>button</a:t>
+            </a:r>
+            <a:r>
+              <a:rPr lang="en-US" dirty="0"/>
+              <a:t>;</a:t>
+            </a:r>
+            <a:br>
+              <a:rPr lang="en-US" dirty="0"/>
+            </a:br>
+            <a:r>
+              <a:rPr lang="en-US" dirty="0"/>
+              <a:t>    Toast </a:t>
+            </a:r>
+            <a:r>
+              <a:rPr lang="en-US" b="1" dirty="0" err="1">
+                <a:solidFill>
+                  <a:srgbClr val="660E7A"/>
+                </a:solidFill>
+              </a:rPr>
+              <a:t>toast</a:t>
+            </a:r>
+            <a:r>
+              <a:rPr lang="en-US" dirty="0"/>
+              <a:t>;</a:t>
+            </a:r>
+            <a:br>
+              <a:rPr lang="en-US" dirty="0"/>
+            </a:br>
+            <a:r>
+              <a:rPr lang="en-US" dirty="0"/>
+              <a:t>    </a:t>
+            </a:r>
+            <a:r>
+              <a:rPr lang="en-US" dirty="0">
+                <a:solidFill>
+                  <a:srgbClr val="808000"/>
+                </a:solidFill>
+              </a:rPr>
+              <a:t>@Override</a:t>
+            </a:r>
+            <a:br>
+              <a:rPr lang="en-US" dirty="0">
+                <a:solidFill>
+                  <a:srgbClr val="808000"/>
+                </a:solidFill>
+              </a:rPr>
+            </a:br>
+            <a:r>
+              <a:rPr lang="en-US" dirty="0">
+                <a:solidFill>
+                  <a:srgbClr val="808000"/>
+                </a:solidFill>
+              </a:rPr>
+              <a:t>    </a:t>
+            </a:r>
+            <a:r>
+              <a:rPr lang="en-US" b="1" dirty="0">
+                <a:solidFill>
+                  <a:srgbClr val="000080"/>
+                </a:solidFill>
+              </a:rPr>
+              <a:t>protected void </a:t>
+            </a:r>
+            <a:r>
+              <a:rPr lang="en-US" dirty="0" err="1"/>
+              <a:t>onCreate</a:t>
+            </a:r>
+            <a:r>
+              <a:rPr lang="en-US" dirty="0"/>
+              <a:t>(Bundle </a:t>
+            </a:r>
+            <a:r>
+              <a:rPr lang="en-US" dirty="0" err="1"/>
+              <a:t>savedInstanceState</a:t>
+            </a:r>
+            <a:r>
+              <a:rPr lang="en-US" dirty="0"/>
+              <a:t>) {</a:t>
+            </a:r>
+            <a:br>
+              <a:rPr lang="en-US" dirty="0"/>
+            </a:br>
+            <a:r>
+              <a:rPr lang="en-US" dirty="0"/>
+              <a:t>        </a:t>
+            </a:r>
+            <a:r>
+              <a:rPr lang="en-US" b="1" dirty="0" err="1">
+                <a:solidFill>
+                  <a:srgbClr val="000080"/>
+                </a:solidFill>
+              </a:rPr>
+              <a:t>super</a:t>
+            </a:r>
+            <a:r>
+              <a:rPr lang="en-US" dirty="0" err="1"/>
+              <a:t>.onCreate</a:t>
+            </a:r>
+            <a:r>
+              <a:rPr lang="en-US" dirty="0"/>
+              <a:t>(</a:t>
+            </a:r>
+            <a:r>
+              <a:rPr lang="en-US" dirty="0" err="1"/>
+              <a:t>savedInstanceState</a:t>
+            </a:r>
+            <a:r>
+              <a:rPr lang="en-US" dirty="0"/>
+              <a:t>);</a:t>
+            </a:r>
+            <a:br>
+              <a:rPr lang="en-US" dirty="0"/>
+            </a:br>
+            <a:r>
+              <a:rPr lang="en-US" dirty="0"/>
+              <a:t>        </a:t>
+            </a:r>
+            <a:r>
+              <a:rPr lang="en-US" dirty="0" err="1"/>
+              <a:t>setContentView</a:t>
+            </a:r>
+            <a:r>
+              <a:rPr lang="en-US" dirty="0"/>
+              <a:t>(</a:t>
+            </a:r>
+            <a:r>
+              <a:rPr lang="en-US" dirty="0" err="1"/>
+              <a:t>R.layout.</a:t>
+            </a:r>
+            <a:r>
+              <a:rPr lang="en-US" b="1" i="1" dirty="0" err="1">
+                <a:solidFill>
+                  <a:srgbClr val="660E7A"/>
+                </a:solidFill>
+              </a:rPr>
+              <a:t>activity_main</a:t>
+            </a:r>
+            <a:r>
+              <a:rPr lang="en-US" dirty="0"/>
+              <a:t>);</a:t>
+            </a:r>
+            <a:br>
+              <a:rPr lang="en-US" dirty="0"/>
+            </a:br>
+            <a:r>
+              <a:rPr lang="en-US" dirty="0"/>
+              <a:t/>
+            </a:r>
+            <a:br>
+              <a:rPr lang="en-US" dirty="0"/>
+            </a:br>
+            <a:r>
+              <a:rPr lang="en-US" dirty="0"/>
+              <a:t>        </a:t>
+            </a:r>
+            <a:r>
+              <a:rPr lang="en-US" i="1" dirty="0">
+                <a:solidFill>
+                  <a:srgbClr val="808080"/>
+                </a:solidFill>
+              </a:rPr>
+              <a:t>// Fix #1: initialize the code!</a:t>
+            </a:r>
+            <a:br>
+              <a:rPr lang="en-US" i="1" dirty="0">
+                <a:solidFill>
+                  <a:srgbClr val="808080"/>
+                </a:solidFill>
+              </a:rPr>
+            </a:br>
+            <a:r>
+              <a:rPr lang="en-US" i="1" dirty="0">
+                <a:solidFill>
+                  <a:srgbClr val="808080"/>
+                </a:solidFill>
+              </a:rPr>
+              <a:t>        </a:t>
+            </a:r>
+            <a:r>
+              <a:rPr lang="en-US" b="1" dirty="0">
+                <a:solidFill>
+                  <a:srgbClr val="660E7A"/>
+                </a:solidFill>
+              </a:rPr>
+              <a:t>button </a:t>
+            </a:r>
+            <a:r>
+              <a:rPr lang="en-US" dirty="0"/>
+              <a:t>= (Button) </a:t>
+            </a:r>
+            <a:r>
+              <a:rPr lang="en-US" dirty="0" err="1"/>
+              <a:t>findViewById</a:t>
+            </a:r>
+            <a:r>
+              <a:rPr lang="en-US" dirty="0"/>
+              <a:t>(</a:t>
+            </a:r>
+            <a:r>
+              <a:rPr lang="en-US" dirty="0" err="1"/>
+              <a:t>R.id.</a:t>
+            </a:r>
+            <a:r>
+              <a:rPr lang="en-US" b="1" i="1" dirty="0" err="1">
+                <a:solidFill>
+                  <a:srgbClr val="660E7A"/>
+                </a:solidFill>
+              </a:rPr>
+              <a:t>button</a:t>
+            </a:r>
+            <a:r>
+              <a:rPr lang="en-US" dirty="0"/>
+              <a:t>);</a:t>
+            </a:r>
+            <a:br>
+              <a:rPr lang="en-US" dirty="0"/>
+            </a:br>
+            <a:r>
+              <a:rPr lang="en-US" dirty="0"/>
+              <a:t>        </a:t>
+            </a:r>
+            <a:r>
+              <a:rPr lang="en-US" i="1" dirty="0">
+                <a:solidFill>
+                  <a:srgbClr val="808080"/>
+                </a:solidFill>
+              </a:rPr>
+              <a:t>// Error #1! Didn't initialize!</a:t>
+            </a:r>
+            <a:br>
+              <a:rPr lang="en-US" i="1" dirty="0">
+                <a:solidFill>
+                  <a:srgbClr val="808080"/>
+                </a:solidFill>
+              </a:rPr>
+            </a:br>
+            <a:r>
+              <a:rPr lang="en-US" i="1" dirty="0">
+                <a:solidFill>
+                  <a:srgbClr val="808080"/>
+                </a:solidFill>
+              </a:rPr>
+              <a:t>        </a:t>
+            </a:r>
+            <a:r>
+              <a:rPr lang="en-US" b="1" dirty="0" err="1">
+                <a:solidFill>
+                  <a:srgbClr val="660E7A"/>
+                </a:solidFill>
+              </a:rPr>
+              <a:t>button</a:t>
+            </a:r>
+            <a:r>
+              <a:rPr lang="en-US" dirty="0" err="1"/>
+              <a:t>.setText</a:t>
+            </a:r>
+            <a:r>
+              <a:rPr lang="en-US" dirty="0"/>
+              <a:t>(</a:t>
+            </a:r>
+            <a:r>
+              <a:rPr lang="en-US" b="1" dirty="0">
+                <a:solidFill>
+                  <a:srgbClr val="008000"/>
+                </a:solidFill>
+              </a:rPr>
+              <a:t>"Click me!"</a:t>
+            </a:r>
+            <a:r>
+              <a:rPr lang="en-US" dirty="0"/>
+              <a:t>);</a:t>
+            </a:r>
+            <a:br>
+              <a:rPr lang="en-US" dirty="0"/>
+            </a:br>
+            <a:r>
+              <a:rPr lang="en-US" dirty="0"/>
+              <a:t>        </a:t>
+            </a:r>
+            <a:r>
+              <a:rPr lang="en-US" i="1" dirty="0">
+                <a:solidFill>
+                  <a:srgbClr val="808080"/>
+                </a:solidFill>
+              </a:rPr>
+              <a:t>// Error #2: wrong start value</a:t>
+            </a:r>
+            <a:br>
+              <a:rPr lang="en-US" i="1" dirty="0">
+                <a:solidFill>
+                  <a:srgbClr val="808080"/>
+                </a:solidFill>
+              </a:rPr>
+            </a:br>
+            <a:r>
+              <a:rPr lang="en-US" i="1" dirty="0">
+                <a:solidFill>
+                  <a:srgbClr val="808080"/>
+                </a:solidFill>
+              </a:rPr>
+              <a:t>        </a:t>
+            </a:r>
+            <a:r>
+              <a:rPr lang="en-US" b="1" dirty="0">
+                <a:solidFill>
+                  <a:srgbClr val="660E7A"/>
+                </a:solidFill>
+              </a:rPr>
+              <a:t>clicks </a:t>
+            </a:r>
+            <a:r>
+              <a:rPr lang="en-US" dirty="0"/>
+              <a:t>= </a:t>
+            </a:r>
+            <a:r>
+              <a:rPr lang="en-US" dirty="0">
+                <a:solidFill>
+                  <a:srgbClr val="0000FF"/>
+                </a:solidFill>
+              </a:rPr>
+              <a:t>1</a:t>
+            </a:r>
+            <a:r>
+              <a:rPr lang="en-US" dirty="0"/>
+              <a:t>;</a:t>
+            </a:r>
+            <a:br>
+              <a:rPr lang="en-US" dirty="0"/>
+            </a:br>
+            <a:r>
+              <a:rPr lang="en-US" dirty="0"/>
+              <a:t>    }</a:t>
+            </a:r>
+            <a:br>
+              <a:rPr lang="en-US" dirty="0"/>
+            </a:br>
+            <a:r>
+              <a:rPr lang="en-US" dirty="0"/>
+              <a:t/>
+            </a:r>
+            <a:br>
+              <a:rPr lang="en-US" dirty="0"/>
+            </a:br>
+            <a:r>
+              <a:rPr lang="en-US" dirty="0"/>
+              <a:t>    </a:t>
+            </a:r>
+            <a:r>
+              <a:rPr lang="en-US" b="1" dirty="0">
+                <a:solidFill>
+                  <a:srgbClr val="000080"/>
+                </a:solidFill>
+              </a:rPr>
+              <a:t>public void </a:t>
+            </a:r>
+            <a:r>
+              <a:rPr lang="en-US" dirty="0" err="1"/>
+              <a:t>incrementClick</a:t>
+            </a:r>
+            <a:r>
+              <a:rPr lang="en-US" dirty="0"/>
+              <a:t>(View view) {</a:t>
+            </a:r>
+            <a:br>
+              <a:rPr lang="en-US" dirty="0"/>
+            </a:br>
+            <a:r>
+              <a:rPr lang="en-US" dirty="0"/>
+              <a:t>        </a:t>
+            </a:r>
+            <a:r>
+              <a:rPr lang="en-US" b="1" dirty="0">
+                <a:solidFill>
+                  <a:srgbClr val="660E7A"/>
+                </a:solidFill>
+              </a:rPr>
+              <a:t>clicks</a:t>
+            </a:r>
+            <a:r>
+              <a:rPr lang="en-US" dirty="0"/>
+              <a:t>++;</a:t>
+            </a:r>
+            <a:br>
+              <a:rPr lang="en-US" dirty="0"/>
+            </a:br>
+            <a:r>
+              <a:rPr lang="en-US" dirty="0"/>
+              <a:t>        </a:t>
+            </a:r>
+            <a:r>
+              <a:rPr lang="en-US" i="1" dirty="0">
+                <a:solidFill>
+                  <a:srgbClr val="808080"/>
+                </a:solidFill>
+              </a:rPr>
+              <a:t>// Whenever we hit our button 5 times, we would show a toast notification</a:t>
+            </a:r>
+            <a:br>
+              <a:rPr lang="en-US" i="1" dirty="0">
+                <a:solidFill>
+                  <a:srgbClr val="808080"/>
+                </a:solidFill>
+              </a:rPr>
+            </a:br>
+            <a:r>
+              <a:rPr lang="en-US" i="1" dirty="0">
+                <a:solidFill>
+                  <a:srgbClr val="808080"/>
+                </a:solidFill>
+              </a:rPr>
+              <a:t>        </a:t>
+            </a:r>
+            <a:r>
+              <a:rPr lang="en-US" b="1" dirty="0">
+                <a:solidFill>
+                  <a:srgbClr val="000080"/>
+                </a:solidFill>
+              </a:rPr>
+              <a:t>if </a:t>
+            </a:r>
+            <a:r>
+              <a:rPr lang="en-US" dirty="0"/>
+              <a:t>(</a:t>
+            </a:r>
+            <a:r>
+              <a:rPr lang="en-US" b="1" dirty="0">
+                <a:solidFill>
+                  <a:srgbClr val="660E7A"/>
+                </a:solidFill>
+              </a:rPr>
+              <a:t>clicks </a:t>
+            </a:r>
+            <a:r>
+              <a:rPr lang="en-US" dirty="0"/>
+              <a:t>% </a:t>
+            </a:r>
+            <a:r>
+              <a:rPr lang="en-US" dirty="0">
+                <a:solidFill>
+                  <a:srgbClr val="0000FF"/>
+                </a:solidFill>
+              </a:rPr>
+              <a:t>5 </a:t>
+            </a:r>
+            <a:r>
+              <a:rPr lang="en-US" dirty="0"/>
+              <a:t>== </a:t>
+            </a:r>
+            <a:r>
+              <a:rPr lang="en-US" dirty="0">
+                <a:solidFill>
+                  <a:srgbClr val="0000FF"/>
+                </a:solidFill>
+              </a:rPr>
+              <a:t>0</a:t>
+            </a:r>
+            <a:r>
+              <a:rPr lang="en-US" dirty="0"/>
+              <a:t>) {</a:t>
+            </a:r>
+            <a:br>
+              <a:rPr lang="en-US" dirty="0"/>
+            </a:br>
+            <a:r>
+              <a:rPr lang="en-US" dirty="0"/>
+              <a:t>            </a:t>
+            </a:r>
+            <a:r>
+              <a:rPr lang="en-US" dirty="0" err="1"/>
+              <a:t>Toast.</a:t>
+            </a:r>
+            <a:r>
+              <a:rPr lang="en-US" i="1" dirty="0" err="1"/>
+              <a:t>makeText</a:t>
+            </a:r>
+            <a:r>
+              <a:rPr lang="en-US" dirty="0"/>
+              <a:t>(</a:t>
+            </a:r>
+            <a:r>
+              <a:rPr lang="en-US" b="1" dirty="0">
+                <a:solidFill>
+                  <a:srgbClr val="000080"/>
+                </a:solidFill>
+              </a:rPr>
+              <a:t>this</a:t>
+            </a:r>
+            <a:r>
+              <a:rPr lang="en-US" dirty="0"/>
+              <a:t>, </a:t>
+            </a:r>
+            <a:r>
+              <a:rPr lang="en-US" b="1" dirty="0">
+                <a:solidFill>
+                  <a:srgbClr val="008000"/>
+                </a:solidFill>
+              </a:rPr>
+              <a:t>"You've clicked your button 5 times!"</a:t>
+            </a:r>
+            <a:r>
+              <a:rPr lang="en-US" dirty="0"/>
+              <a:t>, </a:t>
+            </a:r>
+            <a:r>
+              <a:rPr lang="en-US" dirty="0" err="1"/>
+              <a:t>Toast.</a:t>
+            </a:r>
+            <a:r>
+              <a:rPr lang="en-US" b="1" i="1" dirty="0" err="1">
+                <a:solidFill>
+                  <a:srgbClr val="660E7A"/>
+                </a:solidFill>
+              </a:rPr>
+              <a:t>LENGTH_SHORT</a:t>
+            </a:r>
+            <a:r>
+              <a:rPr lang="en-US" dirty="0"/>
+              <a:t>).show();</a:t>
+            </a:r>
+            <a:br>
+              <a:rPr lang="en-US" dirty="0"/>
+            </a:br>
+            <a:r>
+              <a:rPr lang="en-US" dirty="0"/>
+              <a:t>        }</a:t>
+            </a:r>
+            <a:br>
+              <a:rPr lang="en-US" dirty="0"/>
+            </a:br>
+            <a:r>
+              <a:rPr lang="en-US" dirty="0"/>
+              <a:t>    }</a:t>
+            </a:r>
+            <a:br>
+              <a:rPr lang="en-US" dirty="0"/>
+            </a:br>
+            <a:r>
+              <a:rPr lang="en-US" dirty="0"/>
+              <a:t>}</a:t>
+            </a:r>
+            <a:br>
+              <a:rPr lang="en-US" dirty="0"/>
+            </a:br>
             <a:endParaRPr lang="en-US" dirty="0"/>
           </a:p>
         </p:txBody>
@@ -5036,7 +5658,7 @@
     </p:spTree>
     <p:extLst>
       <p:ext uri="{BB962C8B-B14F-4D97-AF65-F5344CB8AC3E}">
-        <p14:creationId xmlns:p14="http://schemas.microsoft.com/office/powerpoint/2010/main" val="701929556"/>
+        <p14:creationId xmlns:p14="http://schemas.microsoft.com/office/powerpoint/2010/main" val="2027421457"/>
       </p:ext>
     </p:extLst>
   </p:cSld>
@@ -5080,7 +5702,7 @@
           <a:p>
             <a:r>
               <a:rPr lang="en-US" dirty="0" smtClean="0"/>
-              <a:t>Using Toast!</a:t>
+              <a:t>Problem!</a:t>
             </a:r>
             <a:endParaRPr lang="en-US" dirty="0"/>
           </a:p>
@@ -5098,637 +5720,48 @@
         </p:nvSpPr>
         <p:spPr/>
         <p:txBody>
-          <a:bodyPr>
-            <a:normAutofit fontScale="40000" lnSpcReduction="20000"/>
-          </a:bodyPr>
+          <a:bodyPr/>
           <a:lstStyle/>
           <a:p>
             <a:pPr marL="0" indent="0">
               <a:buNone/>
             </a:pPr>
             <a:r>
-              <a:rPr lang="en-US" b="1" dirty="0">
-                <a:solidFill>
-                  <a:srgbClr val="000080"/>
-                </a:solidFill>
-              </a:rPr>
-              <a:t>public class </a:t>
-            </a:r>
-            <a:r>
-              <a:rPr lang="en-US" dirty="0" err="1"/>
-              <a:t>MainActivity</a:t>
-            </a:r>
-            <a:r>
-              <a:rPr lang="en-US" dirty="0"/>
-              <a:t> </a:t>
-            </a:r>
-            <a:r>
-              <a:rPr lang="en-US" b="1" dirty="0">
-                <a:solidFill>
-                  <a:srgbClr val="000080"/>
-                </a:solidFill>
-              </a:rPr>
-              <a:t>extends </a:t>
-            </a:r>
-            <a:r>
-              <a:rPr lang="en-US" dirty="0" err="1"/>
-              <a:t>AppCompatActivity</a:t>
-            </a:r>
-            <a:r>
-              <a:rPr lang="en-US" dirty="0"/>
-              <a:t> {</a:t>
-            </a:r>
-            <a:br>
-              <a:rPr lang="en-US" dirty="0"/>
-            </a:br>
-            <a:r>
-              <a:rPr lang="en-US" dirty="0"/>
-              <a:t>    </a:t>
-            </a:r>
-            <a:r>
-              <a:rPr lang="en-US" b="1" dirty="0" err="1">
-                <a:solidFill>
-                  <a:srgbClr val="000080"/>
-                </a:solidFill>
-              </a:rPr>
-              <a:t>int</a:t>
-            </a:r>
-            <a:r>
-              <a:rPr lang="en-US" b="1" dirty="0">
-                <a:solidFill>
-                  <a:srgbClr val="000080"/>
-                </a:solidFill>
-              </a:rPr>
-              <a:t> </a:t>
-            </a:r>
-            <a:r>
-              <a:rPr lang="en-US" b="1" dirty="0">
-                <a:solidFill>
-                  <a:srgbClr val="660E7A"/>
-                </a:solidFill>
-              </a:rPr>
-              <a:t>clicks</a:t>
-            </a:r>
-            <a:r>
-              <a:rPr lang="en-US" dirty="0"/>
-              <a:t>;</a:t>
-            </a:r>
-            <a:br>
-              <a:rPr lang="en-US" dirty="0"/>
-            </a:br>
-            <a:r>
-              <a:rPr lang="en-US" dirty="0"/>
-              <a:t>    Button </a:t>
-            </a:r>
-            <a:r>
-              <a:rPr lang="en-US" b="1" dirty="0" err="1">
-                <a:solidFill>
-                  <a:srgbClr val="660E7A"/>
-                </a:solidFill>
-              </a:rPr>
-              <a:t>button</a:t>
-            </a:r>
-            <a:r>
-              <a:rPr lang="en-US" dirty="0"/>
-              <a:t>;</a:t>
-            </a:r>
-            <a:br>
-              <a:rPr lang="en-US" dirty="0"/>
-            </a:br>
-            <a:r>
-              <a:rPr lang="en-US" dirty="0"/>
-              <a:t>    Toast </a:t>
-            </a:r>
-            <a:r>
-              <a:rPr lang="en-US" b="1" dirty="0" err="1">
-                <a:solidFill>
-                  <a:srgbClr val="660E7A"/>
-                </a:solidFill>
-              </a:rPr>
-              <a:t>toast</a:t>
-            </a:r>
-            <a:r>
-              <a:rPr lang="en-US" dirty="0"/>
-              <a:t>;</a:t>
-            </a:r>
-            <a:br>
-              <a:rPr lang="en-US" dirty="0"/>
-            </a:br>
-            <a:r>
-              <a:rPr lang="en-US" dirty="0"/>
-              <a:t>    </a:t>
-            </a:r>
-            <a:r>
-              <a:rPr lang="en-US" dirty="0">
-                <a:solidFill>
-                  <a:srgbClr val="808000"/>
-                </a:solidFill>
-              </a:rPr>
-              <a:t>@Override</a:t>
-            </a:r>
-            <a:br>
-              <a:rPr lang="en-US" dirty="0">
-                <a:solidFill>
-                  <a:srgbClr val="808000"/>
-                </a:solidFill>
-              </a:rPr>
-            </a:br>
-            <a:r>
-              <a:rPr lang="en-US" dirty="0">
-                <a:solidFill>
-                  <a:srgbClr val="808000"/>
-                </a:solidFill>
-              </a:rPr>
-              <a:t>    </a:t>
-            </a:r>
-            <a:r>
-              <a:rPr lang="en-US" b="1" dirty="0">
-                <a:solidFill>
-                  <a:srgbClr val="000080"/>
-                </a:solidFill>
-              </a:rPr>
-              <a:t>protected void </a:t>
-            </a:r>
-            <a:r>
-              <a:rPr lang="en-US" dirty="0" err="1"/>
-              <a:t>onCreate</a:t>
-            </a:r>
-            <a:r>
-              <a:rPr lang="en-US" dirty="0"/>
-              <a:t>(Bundle </a:t>
-            </a:r>
-            <a:r>
-              <a:rPr lang="en-US" dirty="0" err="1"/>
-              <a:t>savedInstanceState</a:t>
-            </a:r>
-            <a:r>
-              <a:rPr lang="en-US" dirty="0"/>
-              <a:t>) {</a:t>
-            </a:r>
-            <a:br>
-              <a:rPr lang="en-US" dirty="0"/>
-            </a:br>
-            <a:r>
-              <a:rPr lang="en-US" dirty="0"/>
-              <a:t>        </a:t>
-            </a:r>
-            <a:r>
-              <a:rPr lang="en-US" b="1" dirty="0" err="1">
-                <a:solidFill>
-                  <a:srgbClr val="000080"/>
-                </a:solidFill>
-              </a:rPr>
-              <a:t>super</a:t>
-            </a:r>
-            <a:r>
-              <a:rPr lang="en-US" dirty="0" err="1"/>
-              <a:t>.onCreate</a:t>
-            </a:r>
-            <a:r>
-              <a:rPr lang="en-US" dirty="0"/>
-              <a:t>(</a:t>
-            </a:r>
-            <a:r>
-              <a:rPr lang="en-US" dirty="0" err="1"/>
-              <a:t>savedInstanceState</a:t>
-            </a:r>
-            <a:r>
-              <a:rPr lang="en-US" dirty="0"/>
-              <a:t>);</a:t>
-            </a:r>
-            <a:br>
-              <a:rPr lang="en-US" dirty="0"/>
-            </a:br>
-            <a:r>
-              <a:rPr lang="en-US" dirty="0"/>
-              <a:t>        </a:t>
-            </a:r>
-            <a:r>
-              <a:rPr lang="en-US" dirty="0" err="1"/>
-              <a:t>setContentView</a:t>
-            </a:r>
-            <a:r>
-              <a:rPr lang="en-US" dirty="0"/>
-              <a:t>(</a:t>
-            </a:r>
-            <a:r>
-              <a:rPr lang="en-US" dirty="0" err="1"/>
-              <a:t>R.layout.</a:t>
-            </a:r>
-            <a:r>
-              <a:rPr lang="en-US" b="1" i="1" dirty="0" err="1">
-                <a:solidFill>
-                  <a:srgbClr val="660E7A"/>
-                </a:solidFill>
-              </a:rPr>
-              <a:t>activity_main</a:t>
-            </a:r>
-            <a:r>
-              <a:rPr lang="en-US" dirty="0"/>
-              <a:t>);</a:t>
-            </a:r>
-            <a:br>
-              <a:rPr lang="en-US" dirty="0"/>
-            </a:br>
-            <a:r>
-              <a:rPr lang="en-US" dirty="0"/>
-              <a:t/>
-            </a:r>
-            <a:br>
-              <a:rPr lang="en-US" dirty="0"/>
-            </a:br>
-            <a:r>
-              <a:rPr lang="en-US" dirty="0"/>
-              <a:t>        </a:t>
-            </a:r>
-            <a:r>
-              <a:rPr lang="en-US" i="1" dirty="0">
-                <a:solidFill>
-                  <a:srgbClr val="808080"/>
-                </a:solidFill>
-              </a:rPr>
-              <a:t>// Fix #1: initialize the code!</a:t>
-            </a:r>
-            <a:br>
-              <a:rPr lang="en-US" i="1" dirty="0">
-                <a:solidFill>
-                  <a:srgbClr val="808080"/>
-                </a:solidFill>
-              </a:rPr>
-            </a:br>
-            <a:r>
-              <a:rPr lang="en-US" i="1" dirty="0">
-                <a:solidFill>
-                  <a:srgbClr val="808080"/>
-                </a:solidFill>
-              </a:rPr>
-              <a:t>        </a:t>
-            </a:r>
-            <a:r>
-              <a:rPr lang="en-US" b="1" dirty="0">
-                <a:solidFill>
-                  <a:srgbClr val="660E7A"/>
-                </a:solidFill>
-              </a:rPr>
-              <a:t>button </a:t>
-            </a:r>
-            <a:r>
-              <a:rPr lang="en-US" dirty="0"/>
-              <a:t>= (Button) </a:t>
-            </a:r>
-            <a:r>
-              <a:rPr lang="en-US" dirty="0" err="1"/>
-              <a:t>findViewById</a:t>
-            </a:r>
-            <a:r>
-              <a:rPr lang="en-US" dirty="0"/>
-              <a:t>(</a:t>
-            </a:r>
-            <a:r>
-              <a:rPr lang="en-US" dirty="0" err="1"/>
-              <a:t>R.id.</a:t>
-            </a:r>
-            <a:r>
-              <a:rPr lang="en-US" b="1" i="1" dirty="0" err="1">
-                <a:solidFill>
-                  <a:srgbClr val="660E7A"/>
-                </a:solidFill>
-              </a:rPr>
-              <a:t>button</a:t>
-            </a:r>
-            <a:r>
-              <a:rPr lang="en-US" dirty="0"/>
-              <a:t>);</a:t>
-            </a:r>
-            <a:br>
-              <a:rPr lang="en-US" dirty="0"/>
-            </a:br>
-            <a:r>
-              <a:rPr lang="en-US" dirty="0"/>
-              <a:t>        </a:t>
-            </a:r>
-            <a:r>
-              <a:rPr lang="en-US" i="1" dirty="0">
-                <a:solidFill>
-                  <a:srgbClr val="808080"/>
-                </a:solidFill>
-              </a:rPr>
-              <a:t>// Error #1! Didn't initialize!</a:t>
-            </a:r>
-            <a:br>
-              <a:rPr lang="en-US" i="1" dirty="0">
-                <a:solidFill>
-                  <a:srgbClr val="808080"/>
-                </a:solidFill>
-              </a:rPr>
-            </a:br>
-            <a:r>
-              <a:rPr lang="en-US" i="1" dirty="0">
-                <a:solidFill>
-                  <a:srgbClr val="808080"/>
-                </a:solidFill>
-              </a:rPr>
-              <a:t>        </a:t>
-            </a:r>
-            <a:r>
-              <a:rPr lang="en-US" b="1" dirty="0" err="1">
-                <a:solidFill>
-                  <a:srgbClr val="660E7A"/>
-                </a:solidFill>
-              </a:rPr>
-              <a:t>button</a:t>
-            </a:r>
-            <a:r>
-              <a:rPr lang="en-US" dirty="0" err="1"/>
-              <a:t>.setText</a:t>
-            </a:r>
-            <a:r>
-              <a:rPr lang="en-US" dirty="0"/>
-              <a:t>(</a:t>
-            </a:r>
-            <a:r>
-              <a:rPr lang="en-US" b="1" dirty="0">
-                <a:solidFill>
-                  <a:srgbClr val="008000"/>
-                </a:solidFill>
-              </a:rPr>
-              <a:t>"Click me!"</a:t>
-            </a:r>
-            <a:r>
-              <a:rPr lang="en-US" dirty="0"/>
-              <a:t>);</a:t>
-            </a:r>
-            <a:br>
-              <a:rPr lang="en-US" dirty="0"/>
-            </a:br>
-            <a:r>
-              <a:rPr lang="en-US" dirty="0"/>
-              <a:t>        </a:t>
-            </a:r>
-            <a:r>
-              <a:rPr lang="en-US" i="1" dirty="0">
-                <a:solidFill>
-                  <a:srgbClr val="808080"/>
-                </a:solidFill>
-              </a:rPr>
-              <a:t>// Error #2: wrong start value</a:t>
-            </a:r>
-            <a:br>
-              <a:rPr lang="en-US" i="1" dirty="0">
-                <a:solidFill>
-                  <a:srgbClr val="808080"/>
-                </a:solidFill>
-              </a:rPr>
-            </a:br>
-            <a:r>
-              <a:rPr lang="en-US" i="1" dirty="0">
-                <a:solidFill>
-                  <a:srgbClr val="808080"/>
-                </a:solidFill>
-              </a:rPr>
-              <a:t>        </a:t>
-            </a:r>
-            <a:r>
-              <a:rPr lang="en-US" b="1" dirty="0">
-                <a:solidFill>
-                  <a:srgbClr val="660E7A"/>
-                </a:solidFill>
-              </a:rPr>
-              <a:t>clicks </a:t>
-            </a:r>
-            <a:r>
-              <a:rPr lang="en-US" dirty="0"/>
-              <a:t>= </a:t>
-            </a:r>
-            <a:r>
-              <a:rPr lang="en-US" dirty="0">
-                <a:solidFill>
-                  <a:srgbClr val="0000FF"/>
-                </a:solidFill>
-              </a:rPr>
-              <a:t>1</a:t>
-            </a:r>
-            <a:r>
-              <a:rPr lang="en-US" dirty="0"/>
-              <a:t>;</a:t>
-            </a:r>
-            <a:br>
-              <a:rPr lang="en-US" dirty="0"/>
-            </a:br>
-            <a:r>
-              <a:rPr lang="en-US" dirty="0"/>
-              <a:t>    }</a:t>
-            </a:r>
-            <a:br>
-              <a:rPr lang="en-US" dirty="0"/>
-            </a:br>
-            <a:r>
-              <a:rPr lang="en-US" dirty="0"/>
-              <a:t/>
-            </a:r>
-            <a:br>
-              <a:rPr lang="en-US" dirty="0"/>
-            </a:br>
-            <a:r>
-              <a:rPr lang="en-US" dirty="0"/>
-              <a:t>    </a:t>
-            </a:r>
-            <a:r>
-              <a:rPr lang="en-US" b="1" dirty="0">
-                <a:solidFill>
-                  <a:srgbClr val="000080"/>
-                </a:solidFill>
-              </a:rPr>
-              <a:t>public void </a:t>
-            </a:r>
-            <a:r>
-              <a:rPr lang="en-US" dirty="0" err="1"/>
-              <a:t>incrementClick</a:t>
-            </a:r>
-            <a:r>
-              <a:rPr lang="en-US" dirty="0"/>
-              <a:t>(View view) {</a:t>
-            </a:r>
-            <a:br>
-              <a:rPr lang="en-US" dirty="0"/>
-            </a:br>
-            <a:r>
-              <a:rPr lang="en-US" dirty="0"/>
-              <a:t>        </a:t>
-            </a:r>
-            <a:r>
-              <a:rPr lang="en-US" b="1" dirty="0">
-                <a:solidFill>
-                  <a:srgbClr val="660E7A"/>
-                </a:solidFill>
-              </a:rPr>
-              <a:t>clicks</a:t>
-            </a:r>
-            <a:r>
-              <a:rPr lang="en-US" dirty="0"/>
-              <a:t>++;</a:t>
-            </a:r>
-            <a:br>
-              <a:rPr lang="en-US" dirty="0"/>
-            </a:br>
-            <a:r>
-              <a:rPr lang="en-US" dirty="0"/>
-              <a:t>        </a:t>
-            </a:r>
-            <a:r>
-              <a:rPr lang="en-US" i="1" dirty="0">
-                <a:solidFill>
-                  <a:srgbClr val="808080"/>
-                </a:solidFill>
-              </a:rPr>
-              <a:t>// Whenever we hit our button 5 times, we would show a toast notification</a:t>
-            </a:r>
-            <a:br>
-              <a:rPr lang="en-US" i="1" dirty="0">
-                <a:solidFill>
-                  <a:srgbClr val="808080"/>
-                </a:solidFill>
-              </a:rPr>
-            </a:br>
-            <a:r>
-              <a:rPr lang="en-US" i="1" dirty="0">
-                <a:solidFill>
-                  <a:srgbClr val="808080"/>
-                </a:solidFill>
-              </a:rPr>
-              <a:t>        </a:t>
-            </a:r>
-            <a:r>
-              <a:rPr lang="en-US" b="1" dirty="0">
-                <a:solidFill>
-                  <a:srgbClr val="000080"/>
-                </a:solidFill>
-              </a:rPr>
-              <a:t>if </a:t>
-            </a:r>
-            <a:r>
-              <a:rPr lang="en-US" dirty="0"/>
-              <a:t>(</a:t>
-            </a:r>
-            <a:r>
-              <a:rPr lang="en-US" b="1" dirty="0">
-                <a:solidFill>
-                  <a:srgbClr val="660E7A"/>
-                </a:solidFill>
-              </a:rPr>
-              <a:t>clicks </a:t>
-            </a:r>
-            <a:r>
-              <a:rPr lang="en-US" dirty="0"/>
-              <a:t>% </a:t>
-            </a:r>
-            <a:r>
-              <a:rPr lang="en-US" dirty="0">
-                <a:solidFill>
-                  <a:srgbClr val="0000FF"/>
-                </a:solidFill>
-              </a:rPr>
-              <a:t>5 </a:t>
-            </a:r>
-            <a:r>
-              <a:rPr lang="en-US" dirty="0"/>
-              <a:t>== </a:t>
-            </a:r>
-            <a:r>
-              <a:rPr lang="en-US" dirty="0">
-                <a:solidFill>
-                  <a:srgbClr val="0000FF"/>
-                </a:solidFill>
-              </a:rPr>
-              <a:t>0</a:t>
-            </a:r>
-            <a:r>
-              <a:rPr lang="en-US" dirty="0"/>
-              <a:t>) {</a:t>
-            </a:r>
-            <a:br>
-              <a:rPr lang="en-US" dirty="0"/>
-            </a:br>
-            <a:r>
-              <a:rPr lang="en-US" dirty="0"/>
-              <a:t>            </a:t>
-            </a:r>
-            <a:r>
-              <a:rPr lang="en-US" dirty="0" err="1"/>
-              <a:t>Toast.</a:t>
-            </a:r>
-            <a:r>
-              <a:rPr lang="en-US" i="1" dirty="0" err="1"/>
-              <a:t>makeText</a:t>
-            </a:r>
-            <a:r>
-              <a:rPr lang="en-US" dirty="0"/>
-              <a:t>(</a:t>
-            </a:r>
-            <a:r>
-              <a:rPr lang="en-US" b="1" dirty="0">
-                <a:solidFill>
-                  <a:srgbClr val="000080"/>
-                </a:solidFill>
-              </a:rPr>
-              <a:t>this</a:t>
-            </a:r>
-            <a:r>
-              <a:rPr lang="en-US" dirty="0"/>
-              <a:t>, </a:t>
-            </a:r>
-            <a:r>
-              <a:rPr lang="en-US" b="1" dirty="0">
-                <a:solidFill>
-                  <a:srgbClr val="008000"/>
-                </a:solidFill>
-              </a:rPr>
-              <a:t>"You've clicked your button 5 times!"</a:t>
-            </a:r>
-            <a:r>
-              <a:rPr lang="en-US" dirty="0"/>
-              <a:t>, </a:t>
-            </a:r>
-            <a:r>
-              <a:rPr lang="en-US" dirty="0" err="1"/>
-              <a:t>Toast.</a:t>
-            </a:r>
-            <a:r>
-              <a:rPr lang="en-US" b="1" i="1" dirty="0" err="1">
-                <a:solidFill>
-                  <a:srgbClr val="660E7A"/>
-                </a:solidFill>
-              </a:rPr>
-              <a:t>LENGTH_SHORT</a:t>
-            </a:r>
-            <a:r>
-              <a:rPr lang="en-US" dirty="0"/>
-              <a:t>).show();</a:t>
-            </a:r>
-            <a:br>
-              <a:rPr lang="en-US" dirty="0"/>
-            </a:br>
-            <a:r>
-              <a:rPr lang="en-US" dirty="0"/>
-              <a:t>        }</a:t>
-            </a:r>
-            <a:br>
-              <a:rPr lang="en-US" dirty="0"/>
-            </a:br>
-            <a:r>
-              <a:rPr lang="en-US" dirty="0"/>
-              <a:t>    }</a:t>
-            </a:r>
-            <a:br>
-              <a:rPr lang="en-US" dirty="0"/>
-            </a:br>
-            <a:r>
-              <a:rPr lang="en-US" dirty="0"/>
-              <a:t>}</a:t>
-            </a:r>
-            <a:br>
-              <a:rPr lang="en-US" dirty="0"/>
-            </a:br>
+              <a:rPr lang="en-US" dirty="0" smtClean="0"/>
+              <a:t>We only have to hit the button 4 times for the toast to show up!</a:t>
+            </a:r>
+          </a:p>
+          <a:p>
+            <a:pPr marL="0" indent="0">
+              <a:buNone/>
+            </a:pPr>
+            <a:endParaRPr lang="en-US" dirty="0"/>
+          </a:p>
+          <a:p>
+            <a:pPr marL="0" indent="0">
+              <a:buNone/>
+            </a:pPr>
+            <a:r>
+              <a:rPr lang="en-US" dirty="0" smtClean="0"/>
+              <a:t>Easy to fix, but how would we debug this if it was more complicated problem?</a:t>
+            </a:r>
+          </a:p>
+          <a:p>
+            <a:r>
+              <a:rPr lang="en-US" dirty="0" smtClean="0"/>
+              <a:t>Solution 1 – Use Toast to output our click values</a:t>
+            </a:r>
+          </a:p>
+          <a:p>
+            <a:r>
+              <a:rPr lang="en-US" dirty="0" smtClean="0"/>
+              <a:t>Solution 2 – Or… </a:t>
+            </a:r>
+          </a:p>
+          <a:p>
+            <a:pPr marL="0" indent="0">
+              <a:buNone/>
+            </a:pPr>
             <a:endParaRPr lang="en-US" dirty="0"/>
           </a:p>
         </p:txBody>
@@ -5770,7 +5803,7 @@
             <a:spLocks noGrp="1"/>
           </p:cNvSpPr>
           <p:nvPr>
-            <p:ph type="title"/>
+            <p:ph type="ctrTitle"/>
           </p:nvPr>
         </p:nvSpPr>
         <p:spPr/>
@@ -5780,7 +5813,11 @@
           <a:p>
             <a:r>
               <a:rPr lang="en-US" dirty="0" smtClean="0"/>
-              <a:t>Problem!</a:t>
+              <a:t>Using </a:t>
+            </a:r>
+            <a:r>
+              <a:rPr lang="en-US" dirty="0" err="1" smtClean="0"/>
+              <a:t>Log.d</a:t>
             </a:r>
             <a:endParaRPr lang="en-US" dirty="0"/>
           </a:p>
@@ -5788,12 +5825,12 @@
       </p:sp>
       <p:sp>
         <p:nvSpPr>
-          <p:cNvPr id="3" name="Content Placeholder 2"/>
-          <p:cNvSpPr>
-            <a:spLocks noGrp="1"/>
-          </p:cNvSpPr>
-          <p:nvPr>
-            <p:ph idx="1"/>
+          <p:cNvPr id="4" name="Subtitle 3"/>
+          <p:cNvSpPr>
+            <a:spLocks noGrp="1"/>
+          </p:cNvSpPr>
+          <p:nvPr>
+            <p:ph type="subTitle" idx="1"/>
           </p:nvPr>
         </p:nvSpPr>
         <p:spPr/>
@@ -5801,46 +5838,7 @@
           <a:bodyPr/>
           <a:lstStyle/>
           <a:p>
-            <a:pPr marL="0" indent="0">
-              <a:buNone/>
-            </a:pPr>
-            <a:r>
-              <a:rPr lang="en-US" dirty="0" smtClean="0"/>
-              <a:t>We only have to hit the button 4 times for the toast to show up!</a:t>
-            </a:r>
-          </a:p>
-          <a:p>
-            <a:pPr marL="0" indent="0">
-              <a:buNone/>
-            </a:pPr>
-            <a:endParaRPr lang="en-US" dirty="0"/>
-          </a:p>
-          <a:p>
-            <a:pPr marL="0" indent="0">
-              <a:buNone/>
-            </a:pPr>
-            <a:r>
-              <a:rPr lang="en-US" dirty="0" smtClean="0"/>
-              <a:t>Easy to fix, but how would we debug this if it was more complicated problem?</a:t>
-            </a:r>
-          </a:p>
-          <a:p>
-            <a:r>
-              <a:rPr lang="en-US" dirty="0" smtClean="0"/>
-              <a:t>Solution 1 – Use Toast to output our click values</a:t>
-            </a:r>
-          </a:p>
-          <a:p>
-            <a:r>
-              <a:rPr lang="en-US" dirty="0" smtClean="0"/>
-              <a:t>Solution 2 – Or… </a:t>
-            </a:r>
-          </a:p>
-          <a:p>
-            <a:pPr marL="0" indent="0">
-              <a:buNone/>
-            </a:pPr>
-            <a:endParaRPr lang="en-US" dirty="0"/>
+            <a:endParaRPr lang="en-US"/>
           </a:p>
         </p:txBody>
       </p:sp>
@@ -6041,7 +6039,7 @@
             <a:spLocks noGrp="1"/>
           </p:cNvSpPr>
           <p:nvPr>
-            <p:ph type="ctrTitle"/>
+            <p:ph type="title"/>
           </p:nvPr>
         </p:nvSpPr>
         <p:spPr/>
@@ -6051,7 +6049,7 @@
           <a:p>
             <a:r>
               <a:rPr lang="en-US" dirty="0" smtClean="0"/>
-              <a:t>Using </a:t>
+              <a:t>What is </a:t>
             </a:r>
             <a:r>
               <a:rPr lang="en-US" dirty="0" err="1" smtClean="0"/>
@@ -6063,12 +6061,12 @@
       </p:sp>
       <p:sp>
         <p:nvSpPr>
-          <p:cNvPr id="4" name="Subtitle 3"/>
-          <p:cNvSpPr>
-            <a:spLocks noGrp="1"/>
-          </p:cNvSpPr>
-          <p:nvPr>
-            <p:ph type="subTitle" idx="1"/>
+          <p:cNvPr id="3" name="Content Placeholder 2"/>
+          <p:cNvSpPr>
+            <a:spLocks noGrp="1"/>
+          </p:cNvSpPr>
+          <p:nvPr>
+            <p:ph idx="1"/>
           </p:nvPr>
         </p:nvSpPr>
         <p:spPr/>
@@ -6076,7 +6074,71 @@
           <a:bodyPr/>
           <a:lstStyle/>
           <a:p>
-            <a:endParaRPr lang="en-US"/>
+            <a:r>
+              <a:rPr lang="en-US" dirty="0" smtClean="0"/>
+              <a:t>Android’s logging debugger class</a:t>
+            </a:r>
+          </a:p>
+          <a:p>
+            <a:pPr lvl="1"/>
+            <a:r>
+              <a:rPr lang="en-US" dirty="0" smtClean="0"/>
+              <a:t>Prints value to our </a:t>
+            </a:r>
+            <a:r>
+              <a:rPr lang="en-US" dirty="0" err="1" smtClean="0"/>
+              <a:t>Catlog</a:t>
+            </a:r>
+            <a:r>
+              <a:rPr lang="en-US" dirty="0" smtClean="0"/>
+              <a:t> console in Android Studio</a:t>
+            </a:r>
+          </a:p>
+          <a:p>
+            <a:r>
+              <a:rPr lang="en-US" dirty="0" smtClean="0"/>
+              <a:t>How to use:</a:t>
+            </a:r>
+          </a:p>
+          <a:p>
+            <a:pPr lvl="1"/>
+            <a:r>
+              <a:rPr lang="en-US" dirty="0" err="1" smtClean="0"/>
+              <a:t>Log.</a:t>
+            </a:r>
+            <a:r>
+              <a:rPr lang="en-US" i="1" dirty="0" err="1" smtClean="0"/>
+              <a:t>d</a:t>
+            </a:r>
+            <a:r>
+              <a:rPr lang="en-US" dirty="0" smtClean="0"/>
+              <a:t>(</a:t>
+            </a:r>
+            <a:r>
+              <a:rPr lang="en-US" b="1" dirty="0" smtClean="0">
+                <a:solidFill>
+                  <a:srgbClr val="008000"/>
+                </a:solidFill>
+              </a:rPr>
+              <a:t>“Log Tag"</a:t>
+            </a:r>
+            <a:r>
+              <a:rPr lang="en-US" dirty="0" smtClean="0"/>
+              <a:t>, </a:t>
+            </a:r>
+            <a:r>
+              <a:rPr lang="en-US" b="1" dirty="0" smtClean="0">
+                <a:solidFill>
+                  <a:srgbClr val="008000"/>
+                </a:solidFill>
+              </a:rPr>
+              <a:t>“Log Message"</a:t>
+            </a:r>
+            <a:r>
+              <a:rPr lang="en-US" dirty="0" smtClean="0"/>
+              <a:t>);</a:t>
+            </a:r>
+            <a:endParaRPr lang="en-US" dirty="0"/>
           </a:p>
         </p:txBody>
       </p:sp>
@@ -6094,146 +6156,6 @@
 </file>
 
 <file path=ppt/slides/slide21.xml><?xml version="1.0" encoding="utf-8"?>
-<p:sld xmlns:a="http://schemas.openxmlformats.org/drawingml/2006/main" xmlns:r="http://schemas.openxmlformats.org/officeDocument/2006/relationships" xmlns:p="http://schemas.openxmlformats.org/presentationml/2006/main">
-  <p:cSld>
-    <p:spTree>
-      <p:nvGrpSpPr>
-        <p:cNvPr id="1" name=""/>
-        <p:cNvGrpSpPr/>
-        <p:nvPr/>
-      </p:nvGrpSpPr>
-      <p:grpSpPr>
-        <a:xfrm>
-          <a:off x="0" y="0"/>
-          <a:ext cx="0" cy="0"/>
-          <a:chOff x="0" y="0"/>
-          <a:chExt cx="0" cy="0"/>
-        </a:xfrm>
-      </p:grpSpPr>
-      <p:sp>
-        <p:nvSpPr>
-          <p:cNvPr id="2" name="Title 1"/>
-          <p:cNvSpPr>
-            <a:spLocks noGrp="1"/>
-          </p:cNvSpPr>
-          <p:nvPr>
-            <p:ph type="title"/>
-          </p:nvPr>
-        </p:nvSpPr>
-        <p:spPr/>
-        <p:txBody>
-          <a:bodyPr/>
-          <a:lstStyle/>
-          <a:p>
-            <a:r>
-              <a:rPr lang="en-US" dirty="0" smtClean="0"/>
-              <a:t>What is </a:t>
-            </a:r>
-            <a:r>
-              <a:rPr lang="en-US" dirty="0" err="1" smtClean="0"/>
-              <a:t>Log.d</a:t>
-            </a:r>
-            <a:endParaRPr lang="en-US" dirty="0"/>
-          </a:p>
-        </p:txBody>
-      </p:sp>
-      <p:sp>
-        <p:nvSpPr>
-          <p:cNvPr id="3" name="Content Placeholder 2"/>
-          <p:cNvSpPr>
-            <a:spLocks noGrp="1"/>
-          </p:cNvSpPr>
-          <p:nvPr>
-            <p:ph idx="1"/>
-          </p:nvPr>
-        </p:nvSpPr>
-        <p:spPr/>
-        <p:txBody>
-          <a:bodyPr/>
-          <a:lstStyle/>
-          <a:p>
-            <a:r>
-              <a:rPr lang="en-US" dirty="0" smtClean="0"/>
-              <a:t>Android’s logging debugger class</a:t>
-            </a:r>
-          </a:p>
-          <a:p>
-            <a:pPr lvl="1"/>
-            <a:r>
-              <a:rPr lang="en-US" dirty="0" smtClean="0"/>
-              <a:t>Prints value to our </a:t>
-            </a:r>
-            <a:r>
-              <a:rPr lang="en-US" dirty="0" err="1" smtClean="0"/>
-              <a:t>Catlog</a:t>
-            </a:r>
-            <a:r>
-              <a:rPr lang="en-US" dirty="0" smtClean="0"/>
-              <a:t> console in Android Studio</a:t>
-            </a:r>
-          </a:p>
-          <a:p>
-            <a:r>
-              <a:rPr lang="en-US" dirty="0" smtClean="0"/>
-              <a:t>How to use:</a:t>
-            </a:r>
-          </a:p>
-          <a:p>
-            <a:pPr lvl="1"/>
-            <a:r>
-              <a:rPr lang="en-US" dirty="0" err="1" smtClean="0"/>
-              <a:t>Log.</a:t>
-            </a:r>
-            <a:r>
-              <a:rPr lang="en-US" i="1" dirty="0" err="1" smtClean="0"/>
-              <a:t>d</a:t>
-            </a:r>
-            <a:r>
-              <a:rPr lang="en-US" dirty="0" smtClean="0"/>
-              <a:t>(</a:t>
-            </a:r>
-            <a:r>
-              <a:rPr lang="en-US" b="1" dirty="0" smtClean="0">
-                <a:solidFill>
-                  <a:srgbClr val="008000"/>
-                </a:solidFill>
-              </a:rPr>
-              <a:t>“Log Tag"</a:t>
-            </a:r>
-            <a:r>
-              <a:rPr lang="en-US" dirty="0" smtClean="0"/>
-              <a:t>, </a:t>
-            </a:r>
-            <a:r>
-              <a:rPr lang="en-US" b="1" dirty="0" smtClean="0">
-                <a:solidFill>
-                  <a:srgbClr val="008000"/>
-                </a:solidFill>
-              </a:rPr>
-              <a:t>“Log Message"</a:t>
-            </a:r>
-            <a:r>
-              <a:rPr lang="en-US" dirty="0" smtClean="0"/>
-              <a:t>);</a:t>
-            </a:r>
-            <a:endParaRPr lang="en-US" dirty="0"/>
-          </a:p>
-        </p:txBody>
-      </p:sp>
-    </p:spTree>
-    <p:extLst>
-      <p:ext uri="{BB962C8B-B14F-4D97-AF65-F5344CB8AC3E}">
-        <p14:creationId xmlns:p14="http://schemas.microsoft.com/office/powerpoint/2010/main" val="2027421457"/>
-      </p:ext>
-    </p:extLst>
-  </p:cSld>
-  <p:clrMapOvr>
-    <a:masterClrMapping/>
-  </p:clrMapOvr>
-</p:sld>
-</file>
-
-<file path=ppt/slides/slide22.xml><?xml version="1.0" encoding="utf-8"?>
 <p:sld xmlns:a="http://schemas.openxmlformats.org/drawingml/2006/main" xmlns:r="http://schemas.openxmlformats.org/officeDocument/2006/relationships" xmlns:p="http://schemas.openxmlformats.org/presentationml/2006/main">
   <p:cSld>
     <p:spTree>
@@ -6377,7 +6299,7 @@
 </p:sld>
 </file>
 
-<file path=ppt/slides/slide23.xml><?xml version="1.0" encoding="utf-8"?>
+<file path=ppt/slides/slide22.xml><?xml version="1.0" encoding="utf-8"?>
 <p:sld xmlns:a="http://schemas.openxmlformats.org/drawingml/2006/main" xmlns:r="http://schemas.openxmlformats.org/officeDocument/2006/relationships" xmlns:p="http://schemas.openxmlformats.org/presentationml/2006/main">
   <p:cSld>
     <p:spTree>
@@ -7241,7 +7163,7 @@
 </p:sld>
 </file>
 
-<file path=ppt/slides/slide24.xml><?xml version="1.0" encoding="utf-8"?>
+<file path=ppt/slides/slide23.xml><?xml version="1.0" encoding="utf-8"?>
 <p:sld xmlns:a="http://schemas.openxmlformats.org/drawingml/2006/main" xmlns:r="http://schemas.openxmlformats.org/officeDocument/2006/relationships" xmlns:p="http://schemas.openxmlformats.org/presentationml/2006/main">
   <p:cSld>
     <p:spTree>
@@ -7358,6 +7280,87 @@
 </p:sld>
 </file>
 
+<file path=ppt/slides/slide24.xml><?xml version="1.0" encoding="utf-8"?>
+<p:sld xmlns:a="http://schemas.openxmlformats.org/drawingml/2006/main" xmlns:r="http://schemas.openxmlformats.org/officeDocument/2006/relationships" xmlns:p="http://schemas.openxmlformats.org/presentationml/2006/main">
+  <p:cSld>
+    <p:spTree>
+      <p:nvGrpSpPr>
+        <p:cNvPr id="1" name=""/>
+        <p:cNvGrpSpPr/>
+        <p:nvPr/>
+      </p:nvGrpSpPr>
+      <p:grpSpPr>
+        <a:xfrm>
+          <a:off x="0" y="0"/>
+          <a:ext cx="0" cy="0"/>
+          <a:chOff x="0" y="0"/>
+          <a:chExt cx="0" cy="0"/>
+        </a:xfrm>
+      </p:grpSpPr>
+      <p:sp>
+        <p:nvSpPr>
+          <p:cNvPr id="2" name="Title 1"/>
+          <p:cNvSpPr>
+            <a:spLocks noGrp="1"/>
+          </p:cNvSpPr>
+          <p:nvPr>
+            <p:ph type="ctrTitle"/>
+          </p:nvPr>
+        </p:nvSpPr>
+        <p:spPr/>
+        <p:txBody>
+          <a:bodyPr>
+            <a:normAutofit/>
+          </a:bodyPr>
+          <a:lstStyle/>
+          <a:p>
+            <a:r>
+              <a:rPr lang="en-US" dirty="0" smtClean="0"/>
+              <a:t>Using the Debugger</a:t>
+            </a:r>
+            <a:endParaRPr lang="en-US" dirty="0"/>
+          </a:p>
+        </p:txBody>
+      </p:sp>
+      <p:sp>
+        <p:nvSpPr>
+          <p:cNvPr id="4" name="Subtitle 3"/>
+          <p:cNvSpPr>
+            <a:spLocks noGrp="1"/>
+          </p:cNvSpPr>
+          <p:nvPr>
+            <p:ph type="subTitle" idx="1"/>
+          </p:nvPr>
+        </p:nvSpPr>
+        <p:spPr/>
+        <p:txBody>
+          <a:bodyPr/>
+          <a:lstStyle/>
+          <a:p>
+            <a:endParaRPr lang="en-US"/>
+          </a:p>
+        </p:txBody>
+      </p:sp>
+    </p:spTree>
+    <p:extLst>
+      <p:ext uri="{BB962C8B-B14F-4D97-AF65-F5344CB8AC3E}">
+        <p14:creationId xmlns:p14="http://schemas.microsoft.com/office/powerpoint/2010/main" val="3358826263"/>
+      </p:ext>
+    </p:extLst>
+  </p:cSld>
+  <p:clrMapOvr>
+    <a:masterClrMapping/>
+  </p:clrMapOvr>
+  <p:timing>
+    <p:tnLst>
+      <p:par>
+        <p:cTn id="1" dur="indefinite" restart="never" nodeType="tmRoot"/>
+      </p:par>
+    </p:tnLst>
+  </p:timing>
+</p:sld>
+</file>
+
 <file path=ppt/slides/slide25.xml><?xml version="1.0" encoding="utf-8"?>
 <p:sld xmlns:a="http://schemas.openxmlformats.org/drawingml/2006/main" xmlns:r="http://schemas.openxmlformats.org/officeDocument/2006/relationships" xmlns:p="http://schemas.openxmlformats.org/presentationml/2006/main">
   <p:cSld>
@@ -7382,19 +7385,17 @@
             <a:spLocks noGrp="1"/>
           </p:cNvSpPr>
           <p:nvPr>
-            <p:ph type="ctrTitle"/>
+            <p:ph type="title"/>
           </p:nvPr>
         </p:nvSpPr>
         <p:spPr/>
         <p:txBody>
-          <a:bodyPr>
-            <a:normAutofit/>
-          </a:bodyPr>
+          <a:bodyPr/>
           <a:lstStyle/>
           <a:p>
             <a:r>
               <a:rPr lang="en-US" dirty="0" smtClean="0"/>
-              <a:t>Using the Debugger</a:t>
+              <a:t>Debugger and You</a:t>
             </a:r>
             <a:endParaRPr lang="en-US" dirty="0"/>
           </a:p>
@@ -7402,12 +7403,12 @@
       </p:sp>
       <p:sp>
         <p:nvSpPr>
-          <p:cNvPr id="4" name="Subtitle 3"/>
-          <p:cNvSpPr>
-            <a:spLocks noGrp="1"/>
-          </p:cNvSpPr>
-          <p:nvPr>
-            <p:ph type="subTitle" idx="1"/>
+          <p:cNvPr id="3" name="Content Placeholder 2"/>
+          <p:cNvSpPr>
+            <a:spLocks noGrp="1"/>
+          </p:cNvSpPr>
+          <p:nvPr>
+            <p:ph idx="1"/>
           </p:nvPr>
         </p:nvSpPr>
         <p:spPr/>
@@ -7415,14 +7416,73 @@
           <a:bodyPr/>
           <a:lstStyle/>
           <a:p>
-            <a:endParaRPr lang="en-US"/>
-          </a:p>
-        </p:txBody>
-      </p:sp>
+            <a:r>
+              <a:rPr lang="en-US" dirty="0" smtClean="0"/>
+              <a:t>With the debugger you can walk through your code line by line and see the values of your variables</a:t>
+            </a:r>
+          </a:p>
+          <a:p>
+            <a:r>
+              <a:rPr lang="en-US" dirty="0" smtClean="0"/>
+              <a:t>You can stop at specific locations in your code by setting break points</a:t>
+            </a:r>
+          </a:p>
+          <a:p>
+            <a:endParaRPr lang="en-US" dirty="0" smtClean="0"/>
+          </a:p>
+          <a:p>
+            <a:endParaRPr lang="en-US" dirty="0" smtClean="0"/>
+          </a:p>
+          <a:p>
+            <a:endParaRPr lang="en-US" dirty="0"/>
+          </a:p>
+        </p:txBody>
+      </p:sp>
+      <p:pic>
+        <p:nvPicPr>
+          <p:cNvPr id="7170" name="Picture 2" descr="C:\Users\JoshDesktop\OneDrive\Work Things\DubTech\pictures\blog\Lecture 4 Debug\7Setting up a break point.PNG"/>
+          <p:cNvPicPr>
+            <a:picLocks noChangeAspect="1" noChangeArrowheads="1"/>
+          </p:cNvPicPr>
+          <p:nvPr/>
+        </p:nvPicPr>
+        <p:blipFill>
+          <a:blip r:embed="rId2">
+            <a:extLst>
+              <a:ext uri="{28A0092B-C50C-407E-A947-70E740481C1C}">
+                <a14:useLocalDpi xmlns:a14="http://schemas.microsoft.com/office/drawing/2010/main" val="0"/>
+              </a:ext>
+            </a:extLst>
+          </a:blip>
+          <a:srcRect/>
+          <a:stretch>
+            <a:fillRect/>
+          </a:stretch>
+        </p:blipFill>
+        <p:spPr bwMode="auto">
+          <a:xfrm>
+            <a:off x="4800600" y="4114800"/>
+            <a:ext cx="4114800" cy="2975171"/>
+          </a:xfrm>
+          <a:prstGeom prst="rect">
+            <a:avLst/>
+          </a:prstGeom>
+          <a:noFill/>
+          <a:extLst>
+            <a:ext uri="{909E8E84-426E-40DD-AFC4-6F175D3DCCD1}">
+              <a14:hiddenFill xmlns:a14="http://schemas.microsoft.com/office/drawing/2010/main">
+                <a:solidFill>
+                  <a:srgbClr val="FFFFFF"/>
+                </a:solidFill>
+              </a14:hiddenFill>
+            </a:ext>
+          </a:extLst>
+        </p:spPr>
+      </p:pic>
     </p:spTree>
     <p:extLst>
       <p:ext uri="{BB962C8B-B14F-4D97-AF65-F5344CB8AC3E}">
-        <p14:creationId xmlns:p14="http://schemas.microsoft.com/office/powerpoint/2010/main" val="3358826263"/>
+        <p14:creationId xmlns:p14="http://schemas.microsoft.com/office/powerpoint/2010/main" val="3847563299"/>
       </p:ext>
     </p:extLst>
   </p:cSld>
@@ -7473,7 +7533,7 @@
           <a:p>
             <a:r>
               <a:rPr lang="en-US" dirty="0" smtClean="0"/>
-              <a:t>Debugger and You</a:t>
+              <a:t>Running Debug Mode</a:t>
             </a:r>
             <a:endParaRPr lang="en-US" dirty="0"/>
           </a:p>
@@ -7494,31 +7554,16 @@
           <a:bodyPr/>
           <a:lstStyle/>
           <a:p>
-            <a:r>
-              <a:rPr lang="en-US" dirty="0" smtClean="0"/>
-              <a:t>With the debugger you can walk through your code line by line and see the values of your variables</a:t>
-            </a:r>
-          </a:p>
-          <a:p>
-            <a:r>
-              <a:rPr lang="en-US" dirty="0" smtClean="0"/>
-              <a:t>You can stop at specific locations in your code by setting break points</a:t>
-            </a:r>
-          </a:p>
-          <a:p>
-            <a:endParaRPr lang="en-US" dirty="0" smtClean="0"/>
-          </a:p>
-          <a:p>
-            <a:endParaRPr lang="en-US" dirty="0" smtClean="0"/>
-          </a:p>
-          <a:p>
+            <a:pPr marL="0" indent="0">
+              <a:buNone/>
+            </a:pPr>
             <a:endParaRPr lang="en-US" dirty="0"/>
           </a:p>
         </p:txBody>
       </p:sp>
       <p:pic>
         <p:nvPicPr>
-          <p:cNvPr id="7170" name="Picture 2" descr="C:\Users\JoshDesktop\OneDrive\Work Things\DubTech\pictures\blog\Lecture 4 Debug\7Setting up a break point.PNG"/>
+          <p:cNvPr id="8195" name="Picture 3" descr="C:\Users\JoshDesktop\OneDrive\Work Things\DubTech\pictures\blog\Lecture 4 Debug\8 Running Debug.PNG"/>
           <p:cNvPicPr>
             <a:picLocks noChangeAspect="1" noChangeArrowheads="1"/>
           </p:cNvPicPr>
@@ -7539,8 +7584,8 @@
         </p:blipFill>
         <p:spPr bwMode="auto">
           <a:xfrm>
-            <a:off x="4800600" y="4114800"/>
-            <a:ext cx="4114800" cy="2975171"/>
+            <a:off x="133350" y="2819400"/>
+            <a:ext cx="8763000" cy="1223581"/>
           </a:xfrm>
           <a:prstGeom prst="rect">
             <a:avLst/>
@@ -7560,7 +7605,7 @@
     </p:spTree>
     <p:extLst>
       <p:ext uri="{BB962C8B-B14F-4D97-AF65-F5344CB8AC3E}">
-        <p14:creationId xmlns:p14="http://schemas.microsoft.com/office/powerpoint/2010/main" val="3847563299"/>
+        <p14:creationId xmlns:p14="http://schemas.microsoft.com/office/powerpoint/2010/main" val="3963193860"/>
       </p:ext>
     </p:extLst>
   </p:cSld>
@@ -7611,7 +7656,7 @@
           <a:p>
             <a:r>
               <a:rPr lang="en-US" dirty="0" smtClean="0"/>
-              <a:t>Running Debug Mode</a:t>
+              <a:t>Run Your App Like Normal Until…</a:t>
             </a:r>
             <a:endParaRPr lang="en-US" dirty="0"/>
           </a:p>
@@ -7635,13 +7680,17 @@
             <a:pPr marL="0" indent="0">
               <a:buNone/>
             </a:pPr>
+            <a:r>
+              <a:rPr lang="en-US" dirty="0" smtClean="0"/>
+              <a:t>You hit the breakpoint</a:t>
+            </a:r>
             <a:endParaRPr lang="en-US" dirty="0"/>
           </a:p>
         </p:txBody>
       </p:sp>
       <p:pic>
         <p:nvPicPr>
-          <p:cNvPr id="8195" name="Picture 3" descr="C:\Users\JoshDesktop\OneDrive\Work Things\DubTech\pictures\blog\Lecture 4 Debug\8 Running Debug.PNG"/>
+          <p:cNvPr id="10242" name="Picture 2" descr="C:\Users\JoshDesktop\OneDrive\Work Things\DubTech\pictures\blog\Lecture 4 Debug\9 Hit Break Point.PNG"/>
           <p:cNvPicPr>
             <a:picLocks noChangeAspect="1" noChangeArrowheads="1"/>
           </p:cNvPicPr>
@@ -7662,8 +7711,8 @@
         </p:blipFill>
         <p:spPr bwMode="auto">
           <a:xfrm>
-            <a:off x="133350" y="2819400"/>
-            <a:ext cx="8763000" cy="1223581"/>
+            <a:off x="1066800" y="2514600"/>
+            <a:ext cx="7402513" cy="2952750"/>
           </a:xfrm>
           <a:prstGeom prst="rect">
             <a:avLst/>
@@ -7683,7 +7732,7 @@
     </p:spTree>
     <p:extLst>
       <p:ext uri="{BB962C8B-B14F-4D97-AF65-F5344CB8AC3E}">
-        <p14:creationId xmlns:p14="http://schemas.microsoft.com/office/powerpoint/2010/main" val="3963193860"/>
+        <p14:creationId xmlns:p14="http://schemas.microsoft.com/office/powerpoint/2010/main" val="819773309"/>
       </p:ext>
     </p:extLst>
   </p:cSld>
@@ -7734,7 +7783,7 @@
           <a:p>
             <a:r>
               <a:rPr lang="en-US" dirty="0" smtClean="0"/>
-              <a:t>Run Your App Like Normal Until…</a:t>
+              <a:t>Controls</a:t>
             </a:r>
             <a:endParaRPr lang="en-US" dirty="0"/>
           </a:p>
@@ -7750,17 +7799,95 @@
             <p:ph idx="1"/>
           </p:nvPr>
         </p:nvSpPr>
-        <p:spPr/>
-        <p:txBody>
-          <a:bodyPr/>
-          <a:lstStyle/>
-          <a:p>
-            <a:pPr marL="0" indent="0">
-              <a:buNone/>
-            </a:pPr>
+        <p:spPr>
+          <a:xfrm>
+            <a:off x="457200" y="1828800"/>
+            <a:ext cx="8229600" cy="4525963"/>
+          </a:xfrm>
+        </p:spPr>
+        <p:txBody>
+          <a:bodyPr>
+            <a:normAutofit fontScale="92500" lnSpcReduction="10000"/>
+          </a:bodyPr>
+          <a:lstStyle/>
+          <a:p>
+            <a:endParaRPr lang="en-US" dirty="0" smtClean="0"/>
+          </a:p>
+          <a:p>
+            <a:endParaRPr lang="en-US" dirty="0"/>
+          </a:p>
+          <a:p>
             <a:r>
               <a:rPr lang="en-US" dirty="0" smtClean="0"/>
-              <a:t>You hit the breakpoint</a:t>
+              <a:t>1. </a:t>
+            </a:r>
+            <a:r>
+              <a:rPr lang="en-US" b="1" dirty="0" smtClean="0"/>
+              <a:t>Step Over</a:t>
+            </a:r>
+            <a:r>
+              <a:rPr lang="en-US" dirty="0" smtClean="0"/>
+              <a:t>: Moves to the next line</a:t>
+            </a:r>
+          </a:p>
+          <a:p>
+            <a:r>
+              <a:rPr lang="en-US" dirty="0" smtClean="0"/>
+              <a:t>2. </a:t>
+            </a:r>
+            <a:r>
+              <a:rPr lang="en-US" b="1" dirty="0" smtClean="0"/>
+              <a:t>Step In: </a:t>
+            </a:r>
+            <a:r>
+              <a:rPr lang="en-US" dirty="0" smtClean="0"/>
+              <a:t>Moves into a method or the next line</a:t>
+            </a:r>
+          </a:p>
+          <a:p>
+            <a:r>
+              <a:rPr lang="en-US" dirty="0" smtClean="0"/>
+              <a:t>3. </a:t>
+            </a:r>
+            <a:r>
+              <a:rPr lang="en-US" b="1" dirty="0" smtClean="0"/>
+              <a:t>Step Out: </a:t>
+            </a:r>
+            <a:r>
+              <a:rPr lang="en-US" dirty="0" smtClean="0"/>
+              <a:t>Moves out of your current </a:t>
+            </a:r>
+            <a:r>
+              <a:rPr lang="en-US" dirty="0" smtClean="0"/>
+              <a:t>method</a:t>
+            </a:r>
+          </a:p>
+          <a:p>
+            <a:r>
+              <a:rPr lang="en-US" dirty="0" smtClean="0"/>
+              <a:t>4.</a:t>
+            </a:r>
+            <a:r>
+              <a:rPr lang="en-US" b="1" dirty="0" smtClean="0"/>
+              <a:t> Run to Cursor: </a:t>
+            </a:r>
+            <a:r>
+              <a:rPr lang="en-US" dirty="0" smtClean="0"/>
+              <a:t>Moves to the line your code is selected</a:t>
+            </a:r>
+          </a:p>
+          <a:p>
+            <a:r>
+              <a:rPr lang="en-US" dirty="0" smtClean="0"/>
+              <a:t>5. </a:t>
+            </a:r>
+            <a:r>
+              <a:rPr lang="en-US" b="1" dirty="0" smtClean="0"/>
+              <a:t>Resume Program: </a:t>
+            </a:r>
+            <a:r>
+              <a:rPr lang="en-US" dirty="0" smtClean="0"/>
+              <a:t>Continues your program, good to hit another breakpoint.</a:t>
             </a:r>
             <a:endParaRPr lang="en-US" dirty="0"/>
           </a:p>
@@ -7768,14 +7895,14 @@
       </p:sp>
       <p:pic>
         <p:nvPicPr>
-          <p:cNvPr id="10242" name="Picture 2" descr="C:\Users\JoshDesktop\OneDrive\Work Things\DubTech\pictures\blog\Lecture 4 Debug\9 Hit Break Point.PNG"/>
+          <p:cNvPr id="1026" name="Picture 2" descr="C:\Users\JoshDesktop\OneDrive\Work Things\DubTech\pictures\blog\Lecture 4 Debug\10 Controls.PNG"/>
           <p:cNvPicPr>
             <a:picLocks noChangeAspect="1" noChangeArrowheads="1"/>
           </p:cNvPicPr>
           <p:nvPr/>
         </p:nvPicPr>
         <p:blipFill>
-          <a:blip r:embed="rId2">
+          <a:blip r:embed="rId3">
             <a:extLst>
               <a:ext uri="{28A0092B-C50C-407E-A947-70E740481C1C}">
                 <a14:useLocalDpi xmlns:a14="http://schemas.microsoft.com/office/drawing/2010/main" val="0"/>
@@ -7789,8 +7916,8 @@
         </p:blipFill>
         <p:spPr bwMode="auto">
           <a:xfrm>
-            <a:off x="1066800" y="2514600"/>
-            <a:ext cx="7402513" cy="2952750"/>
+            <a:off x="2590798" y="1152178"/>
+            <a:ext cx="3762375" cy="1605971"/>
           </a:xfrm>
           <a:prstGeom prst="rect">
             <a:avLst/>
@@ -7861,7 +7988,7 @@
           <a:p>
             <a:r>
               <a:rPr lang="en-US" dirty="0" smtClean="0"/>
-              <a:t>Controls</a:t>
+              <a:t>Get Variable Information</a:t>
             </a:r>
             <a:endParaRPr lang="en-US" dirty="0"/>
           </a:p>
@@ -7882,55 +8009,17 @@
           <a:bodyPr/>
           <a:lstStyle/>
           <a:p>
-            <a:endParaRPr lang="en-US" dirty="0" smtClean="0"/>
-          </a:p>
-          <a:p>
+            <a:r>
+              <a:rPr lang="en-US" dirty="0" smtClean="0"/>
+              <a:t>Get information on the variables in your current line </a:t>
+            </a:r>
             <a:endParaRPr lang="en-US" dirty="0"/>
-          </a:p>
-          <a:p>
-            <a:r>
-              <a:rPr lang="en-US" dirty="0" smtClean="0"/>
-              <a:t>1. </a:t>
-            </a:r>
-            <a:r>
-              <a:rPr lang="en-US" b="1" dirty="0" smtClean="0"/>
-              <a:t>Step Over</a:t>
-            </a:r>
-            <a:r>
-              <a:rPr lang="en-US" dirty="0" smtClean="0"/>
-              <a:t>: Moves to the next line</a:t>
-            </a:r>
-          </a:p>
-          <a:p>
-            <a:r>
-              <a:rPr lang="en-US" dirty="0" smtClean="0"/>
-              <a:t>2. </a:t>
-            </a:r>
-            <a:r>
-              <a:rPr lang="en-US" b="1" dirty="0" smtClean="0"/>
-              <a:t>Step In: </a:t>
-            </a:r>
-            <a:r>
-              <a:rPr lang="en-US" dirty="0" smtClean="0"/>
-              <a:t>Moves into a method or the next line</a:t>
-            </a:r>
-          </a:p>
-          <a:p>
-            <a:r>
-              <a:rPr lang="en-US" b="1" dirty="0" smtClean="0"/>
-              <a:t>3. Step Out: </a:t>
-            </a:r>
-            <a:r>
-              <a:rPr lang="en-US" dirty="0" smtClean="0"/>
-              <a:t>Moves out of your current method</a:t>
-            </a:r>
-            <a:endParaRPr lang="en-US" b="1" dirty="0"/>
           </a:p>
         </p:txBody>
       </p:sp>
       <p:pic>
         <p:nvPicPr>
-          <p:cNvPr id="11266" name="Picture 2" descr="C:\Users\JoshDesktop\OneDrive\Work Things\DubTech\pictures\blog\Lecture 4 Debug\10 Controls.PNG"/>
+          <p:cNvPr id="12290" name="Picture 2" descr="C:\Users\JoshDesktop\OneDrive\Work Things\DubTech\pictures\blog\Lecture 4 Debug\11 Variables.PNG"/>
           <p:cNvPicPr>
             <a:picLocks noChangeAspect="1" noChangeArrowheads="1"/>
           </p:cNvPicPr>
@@ -7951,8 +8040,8 @@
         </p:blipFill>
         <p:spPr bwMode="auto">
           <a:xfrm>
-            <a:off x="3124200" y="1524000"/>
-            <a:ext cx="2238375" cy="714375"/>
+            <a:off x="381000" y="3124200"/>
+            <a:ext cx="7926090" cy="2518963"/>
           </a:xfrm>
           <a:prstGeom prst="rect">
             <a:avLst/>
@@ -8013,7 +8102,7 @@
             <a:spLocks noGrp="1"/>
           </p:cNvSpPr>
           <p:nvPr>
-            <p:ph type="title"/>
+            <p:ph type="ctrTitle"/>
           </p:nvPr>
         </p:nvSpPr>
         <p:spPr/>
@@ -8023,7 +8112,7 @@
           <a:p>
             <a:r>
               <a:rPr lang="en-US" dirty="0" smtClean="0"/>
-              <a:t>Changing Views</a:t>
+              <a:t>Checking Your Error Logs</a:t>
             </a:r>
             <a:endParaRPr lang="en-US" dirty="0"/>
           </a:p>
@@ -8031,66 +8120,27 @@
       </p:sp>
       <p:sp>
         <p:nvSpPr>
-          <p:cNvPr id="3" name="Content Placeholder 2"/>
-          <p:cNvSpPr>
-            <a:spLocks noGrp="1"/>
-          </p:cNvSpPr>
-          <p:nvPr>
-            <p:ph idx="1"/>
+          <p:cNvPr id="4" name="Subtitle 3"/>
+          <p:cNvSpPr>
+            <a:spLocks noGrp="1"/>
+          </p:cNvSpPr>
+          <p:nvPr>
+            <p:ph type="subTitle" idx="1"/>
           </p:nvPr>
         </p:nvSpPr>
         <p:spPr/>
         <p:txBody>
-          <a:bodyPr>
-            <a:normAutofit lnSpcReduction="10000"/>
-          </a:bodyPr>
-          <a:lstStyle/>
-          <a:p>
-            <a:pPr lvl="0"/>
-            <a:r>
-              <a:rPr lang="en-US" b="1" dirty="0"/>
-              <a:t>Intent</a:t>
-            </a:r>
-            <a:r>
-              <a:rPr lang="en-US" dirty="0"/>
-              <a:t> is Android’s way to signal your app that you want to change Activities.</a:t>
-            </a:r>
-          </a:p>
-          <a:p>
-            <a:pPr lvl="0"/>
-            <a:r>
-              <a:rPr lang="en-US" b="1" dirty="0"/>
-              <a:t>Fragments</a:t>
-            </a:r>
-            <a:r>
-              <a:rPr lang="en-US" dirty="0"/>
-              <a:t> on the other hand keep your app on the same Activity but you would be creating your own Fragment class that you can easily re-use in your Activities whenever you want</a:t>
-            </a:r>
-            <a:r>
-              <a:rPr lang="en-US" dirty="0" smtClean="0"/>
-              <a:t>.</a:t>
-            </a:r>
-          </a:p>
-          <a:p>
-            <a:pPr lvl="0"/>
-            <a:endParaRPr lang="en-US" dirty="0"/>
-          </a:p>
-          <a:p>
-            <a:pPr marL="0" lvl="0" indent="0">
-              <a:buNone/>
-            </a:pPr>
-            <a:r>
-              <a:rPr lang="en-US" dirty="0" smtClean="0"/>
-              <a:t>We’re working with Intents</a:t>
-            </a:r>
-            <a:endParaRPr lang="en-US" dirty="0"/>
+          <a:bodyPr/>
+          <a:lstStyle/>
+          <a:p>
+            <a:endParaRPr lang="en-US"/>
           </a:p>
         </p:txBody>
       </p:sp>
     </p:spTree>
     <p:extLst>
       <p:ext uri="{BB962C8B-B14F-4D97-AF65-F5344CB8AC3E}">
-        <p14:creationId xmlns:p14="http://schemas.microsoft.com/office/powerpoint/2010/main" val="4081526789"/>
+        <p14:creationId xmlns:p14="http://schemas.microsoft.com/office/powerpoint/2010/main" val="3383192961"/>
       </p:ext>
     </p:extLst>
   </p:cSld>
@@ -8101,130 +8151,6 @@
 </file>
 
 <file path=ppt/slides/slide30.xml><?xml version="1.0" encoding="utf-8"?>
-<p:sld xmlns:a="http://schemas.openxmlformats.org/drawingml/2006/main" xmlns:r="http://schemas.openxmlformats.org/officeDocument/2006/relationships" xmlns:p="http://schemas.openxmlformats.org/presentationml/2006/main">
-  <p:cSld>
-    <p:spTree>
-      <p:nvGrpSpPr>
-        <p:cNvPr id="1" name=""/>
-        <p:cNvGrpSpPr/>
-        <p:nvPr/>
-      </p:nvGrpSpPr>
-      <p:grpSpPr>
-        <a:xfrm>
-          <a:off x="0" y="0"/>
-          <a:ext cx="0" cy="0"/>
-          <a:chOff x="0" y="0"/>
-          <a:chExt cx="0" cy="0"/>
-        </a:xfrm>
-      </p:grpSpPr>
-      <p:sp>
-        <p:nvSpPr>
-          <p:cNvPr id="2" name="Title 1"/>
-          <p:cNvSpPr>
-            <a:spLocks noGrp="1"/>
-          </p:cNvSpPr>
-          <p:nvPr>
-            <p:ph type="title"/>
-          </p:nvPr>
-        </p:nvSpPr>
-        <p:spPr/>
-        <p:txBody>
-          <a:bodyPr/>
-          <a:lstStyle/>
-          <a:p>
-            <a:r>
-              <a:rPr lang="en-US" dirty="0" smtClean="0"/>
-              <a:t>Get Variable Information</a:t>
-            </a:r>
-            <a:endParaRPr lang="en-US" dirty="0"/>
-          </a:p>
-        </p:txBody>
-      </p:sp>
-      <p:sp>
-        <p:nvSpPr>
-          <p:cNvPr id="3" name="Content Placeholder 2"/>
-          <p:cNvSpPr>
-            <a:spLocks noGrp="1"/>
-          </p:cNvSpPr>
-          <p:nvPr>
-            <p:ph idx="1"/>
-          </p:nvPr>
-        </p:nvSpPr>
-        <p:spPr/>
-        <p:txBody>
-          <a:bodyPr/>
-          <a:lstStyle/>
-          <a:p>
-            <a:r>
-              <a:rPr lang="en-US" dirty="0" smtClean="0"/>
-              <a:t>Get information on the variables in your current line </a:t>
-            </a:r>
-            <a:endParaRPr lang="en-US" dirty="0"/>
-          </a:p>
-        </p:txBody>
-      </p:sp>
-      <p:pic>
-        <p:nvPicPr>
-          <p:cNvPr id="12290" name="Picture 2" descr="C:\Users\JoshDesktop\OneDrive\Work Things\DubTech\pictures\blog\Lecture 4 Debug\11 Variables.PNG"/>
-          <p:cNvPicPr>
-            <a:picLocks noChangeAspect="1" noChangeArrowheads="1"/>
-          </p:cNvPicPr>
-          <p:nvPr/>
-        </p:nvPicPr>
-        <p:blipFill>
-          <a:blip r:embed="rId2">
-            <a:extLst>
-              <a:ext uri="{28A0092B-C50C-407E-A947-70E740481C1C}">
-                <a14:useLocalDpi xmlns:a14="http://schemas.microsoft.com/office/drawing/2010/main" val="0"/>
-              </a:ext>
-            </a:extLst>
-          </a:blip>
-          <a:srcRect/>
-          <a:stretch>
-            <a:fillRect/>
-          </a:stretch>
-        </p:blipFill>
-        <p:spPr bwMode="auto">
-          <a:xfrm>
-            <a:off x="533400" y="3429000"/>
-            <a:ext cx="7926090" cy="2518963"/>
-          </a:xfrm>
-          <a:prstGeom prst="rect">
-            <a:avLst/>
-          </a:prstGeom>
-          <a:noFill/>
-          <a:extLst>
-            <a:ext uri="{909E8E84-426E-40DD-AFC4-6F175D3DCCD1}">
-              <a14:hiddenFill xmlns:a14="http://schemas.microsoft.com/office/drawing/2010/main">
-                <a:solidFill>
-                  <a:srgbClr val="FFFFFF"/>
-                </a:solidFill>
-              </a14:hiddenFill>
-            </a:ext>
-          </a:extLst>
-        </p:spPr>
-      </p:pic>
-    </p:spTree>
-    <p:extLst>
-      <p:ext uri="{BB962C8B-B14F-4D97-AF65-F5344CB8AC3E}">
-        <p14:creationId xmlns:p14="http://schemas.microsoft.com/office/powerpoint/2010/main" val="819773309"/>
-      </p:ext>
-    </p:extLst>
-  </p:cSld>
-  <p:clrMapOvr>
-    <a:masterClrMapping/>
-  </p:clrMapOvr>
-  <p:timing>
-    <p:tnLst>
-      <p:par>
-        <p:cTn id="1" dur="indefinite" restart="never" nodeType="tmRoot"/>
-      </p:par>
-    </p:tnLst>
-  </p:timing>
-</p:sld>
-</file>
-
-<file path=ppt/slides/slide31.xml><?xml version="1.0" encoding="utf-8"?>
 <p:sld xmlns:a="http://schemas.openxmlformats.org/drawingml/2006/main" xmlns:r="http://schemas.openxmlformats.org/officeDocument/2006/relationships" xmlns:p="http://schemas.openxmlformats.org/presentationml/2006/main">
   <p:cSld>
     <p:spTree>
@@ -8327,78 +8253,6 @@
             <a:spLocks noGrp="1"/>
           </p:cNvSpPr>
           <p:nvPr>
-            <p:ph type="ctrTitle"/>
-          </p:nvPr>
-        </p:nvSpPr>
-        <p:spPr/>
-        <p:txBody>
-          <a:bodyPr/>
-          <a:lstStyle/>
-          <a:p>
-            <a:r>
-              <a:rPr lang="en-US" dirty="0" smtClean="0"/>
-              <a:t>Checking Your Error Logs</a:t>
-            </a:r>
-            <a:endParaRPr lang="en-US" dirty="0"/>
-          </a:p>
-        </p:txBody>
-      </p:sp>
-      <p:sp>
-        <p:nvSpPr>
-          <p:cNvPr id="4" name="Subtitle 3"/>
-          <p:cNvSpPr>
-            <a:spLocks noGrp="1"/>
-          </p:cNvSpPr>
-          <p:nvPr>
-            <p:ph type="subTitle" idx="1"/>
-          </p:nvPr>
-        </p:nvSpPr>
-        <p:spPr/>
-        <p:txBody>
-          <a:bodyPr/>
-          <a:lstStyle/>
-          <a:p>
-            <a:endParaRPr lang="en-US"/>
-          </a:p>
-        </p:txBody>
-      </p:sp>
-    </p:spTree>
-    <p:extLst>
-      <p:ext uri="{BB962C8B-B14F-4D97-AF65-F5344CB8AC3E}">
-        <p14:creationId xmlns:p14="http://schemas.microsoft.com/office/powerpoint/2010/main" val="3383192961"/>
-      </p:ext>
-    </p:extLst>
-  </p:cSld>
-  <p:clrMapOvr>
-    <a:masterClrMapping/>
-  </p:clrMapOvr>
-</p:sld>
-</file>
-
-<file path=ppt/slides/slide5.xml><?xml version="1.0" encoding="utf-8"?>
-<p:sld xmlns:a="http://schemas.openxmlformats.org/drawingml/2006/main" xmlns:r="http://schemas.openxmlformats.org/officeDocument/2006/relationships" xmlns:p="http://schemas.openxmlformats.org/presentationml/2006/main">
-  <p:cSld>
-    <p:spTree>
-      <p:nvGrpSpPr>
-        <p:cNvPr id="1" name=""/>
-        <p:cNvGrpSpPr/>
-        <p:nvPr/>
-      </p:nvGrpSpPr>
-      <p:grpSpPr>
-        <a:xfrm>
-          <a:off x="0" y="0"/>
-          <a:ext cx="0" cy="0"/>
-          <a:chOff x="0" y="0"/>
-          <a:chExt cx="0" cy="0"/>
-        </a:xfrm>
-      </p:grpSpPr>
-      <p:sp>
-        <p:nvSpPr>
-          <p:cNvPr id="2" name="Title 1"/>
-          <p:cNvSpPr>
-            <a:spLocks noGrp="1"/>
-          </p:cNvSpPr>
-          <p:nvPr>
             <p:ph type="title"/>
           </p:nvPr>
         </p:nvSpPr>
@@ -8489,7 +8343,7 @@
 </p:sld>
 </file>
 
-<file path=ppt/slides/slide6.xml><?xml version="1.0" encoding="utf-8"?>
+<file path=ppt/slides/slide5.xml><?xml version="1.0" encoding="utf-8"?>
 <p:sld xmlns:a="http://schemas.openxmlformats.org/drawingml/2006/main" xmlns:r="http://schemas.openxmlformats.org/officeDocument/2006/relationships" xmlns:p="http://schemas.openxmlformats.org/presentationml/2006/main">
   <p:cSld>
     <p:spTree>
@@ -9715,7 +9569,7 @@
 </p:sld>
 </file>
 
-<file path=ppt/slides/slide7.xml><?xml version="1.0" encoding="utf-8"?>
+<file path=ppt/slides/slide6.xml><?xml version="1.0" encoding="utf-8"?>
 <p:sld xmlns:a="http://schemas.openxmlformats.org/drawingml/2006/main" xmlns:r="http://schemas.openxmlformats.org/officeDocument/2006/relationships" xmlns:p="http://schemas.openxmlformats.org/presentationml/2006/main">
   <p:cSld>
     <p:spTree>
@@ -10143,7 +9997,7 @@
 </p:sld>
 </file>
 
-<file path=ppt/slides/slide8.xml><?xml version="1.0" encoding="utf-8"?>
+<file path=ppt/slides/slide7.xml><?xml version="1.0" encoding="utf-8"?>
 <p:sld xmlns:a="http://schemas.openxmlformats.org/drawingml/2006/main" xmlns:r="http://schemas.openxmlformats.org/officeDocument/2006/relationships" xmlns:p="http://schemas.openxmlformats.org/presentationml/2006/main">
   <p:cSld>
     <p:spTree>
@@ -10270,7 +10124,7 @@
 </p:sld>
 </file>
 
-<file path=ppt/slides/slide9.xml><?xml version="1.0" encoding="utf-8"?>
+<file path=ppt/slides/slide8.xml><?xml version="1.0" encoding="utf-8"?>
 <p:sld xmlns:a="http://schemas.openxmlformats.org/drawingml/2006/main" xmlns:r="http://schemas.openxmlformats.org/officeDocument/2006/relationships" xmlns:p="http://schemas.openxmlformats.org/presentationml/2006/main">
   <p:cSld>
     <p:spTree>
@@ -10398,6 +10252,167 @@
       </p:par>
     </p:tnLst>
   </p:timing>
+</p:sld>
+</file>
+
+<file path=ppt/slides/slide9.xml><?xml version="1.0" encoding="utf-8"?>
+<p:sld xmlns:a="http://schemas.openxmlformats.org/drawingml/2006/main" xmlns:r="http://schemas.openxmlformats.org/officeDocument/2006/relationships" xmlns:p="http://schemas.openxmlformats.org/presentationml/2006/main">
+  <p:cSld>
+    <p:spTree>
+      <p:nvGrpSpPr>
+        <p:cNvPr id="1" name=""/>
+        <p:cNvGrpSpPr/>
+        <p:nvPr/>
+      </p:nvGrpSpPr>
+      <p:grpSpPr>
+        <a:xfrm>
+          <a:off x="0" y="0"/>
+          <a:ext cx="0" cy="0"/>
+          <a:chOff x="0" y="0"/>
+          <a:chExt cx="0" cy="0"/>
+        </a:xfrm>
+      </p:grpSpPr>
+      <p:sp>
+        <p:nvSpPr>
+          <p:cNvPr id="2" name="Title 1"/>
+          <p:cNvSpPr>
+            <a:spLocks noGrp="1"/>
+          </p:cNvSpPr>
+          <p:nvPr>
+            <p:ph type="title"/>
+          </p:nvPr>
+        </p:nvSpPr>
+        <p:spPr/>
+        <p:txBody>
+          <a:bodyPr/>
+          <a:lstStyle/>
+          <a:p>
+            <a:r>
+              <a:rPr lang="en-US" dirty="0" smtClean="0"/>
+              <a:t>What’s the problem?</a:t>
+            </a:r>
+            <a:endParaRPr lang="en-US" dirty="0"/>
+          </a:p>
+        </p:txBody>
+      </p:sp>
+      <p:sp>
+        <p:nvSpPr>
+          <p:cNvPr id="3" name="Content Placeholder 2"/>
+          <p:cNvSpPr>
+            <a:spLocks noGrp="1"/>
+          </p:cNvSpPr>
+          <p:nvPr>
+            <p:ph idx="1"/>
+          </p:nvPr>
+        </p:nvSpPr>
+        <p:spPr/>
+        <p:txBody>
+          <a:bodyPr>
+            <a:normAutofit/>
+          </a:bodyPr>
+          <a:lstStyle/>
+          <a:p>
+            <a:pPr marL="0" indent="0">
+              <a:buNone/>
+            </a:pPr>
+            <a:r>
+              <a:rPr lang="en-US" sz="2000" dirty="0" smtClean="0"/>
+              <a:t>The problem is a: </a:t>
+            </a:r>
+            <a:r>
+              <a:rPr lang="en-US" sz="2000" b="1" dirty="0" err="1" smtClean="0"/>
+              <a:t>Java.lang.NullPointerException</a:t>
+            </a:r>
+            <a:endParaRPr lang="en-US" sz="2000" b="1" dirty="0" smtClean="0"/>
+          </a:p>
+          <a:p>
+            <a:pPr marL="0" indent="0">
+              <a:buNone/>
+            </a:pPr>
+            <a:r>
+              <a:rPr lang="en-US" sz="2000" dirty="0" smtClean="0"/>
+              <a:t>Where? </a:t>
+            </a:r>
+            <a:r>
+              <a:rPr lang="en-US" sz="2000" b="1" dirty="0" smtClean="0"/>
+              <a:t>MainActivity.java</a:t>
+            </a:r>
+            <a:r>
+              <a:rPr lang="en-US" sz="2000" dirty="0" smtClean="0"/>
+              <a:t> at </a:t>
+            </a:r>
+            <a:r>
+              <a:rPr lang="en-US" sz="2000" b="1" dirty="0" smtClean="0"/>
+              <a:t>line 16</a:t>
+            </a:r>
+          </a:p>
+          <a:p>
+            <a:pPr marL="0" indent="0">
+              <a:buNone/>
+            </a:pPr>
+            <a:r>
+              <a:rPr lang="en-US" sz="2000" b="1" dirty="0" smtClean="0"/>
+              <a:t>Tip</a:t>
+            </a:r>
+            <a:r>
+              <a:rPr lang="en-US" sz="2000" dirty="0" smtClean="0"/>
+              <a:t>: Only look at the errors where your files are mentioned to avoid confusion!</a:t>
+            </a:r>
+            <a:endParaRPr lang="en-US" sz="2000" dirty="0"/>
+          </a:p>
+        </p:txBody>
+      </p:sp>
+      <p:pic>
+        <p:nvPicPr>
+          <p:cNvPr id="4098" name="Picture 2" descr="C:\Users\JoshDesktop\OneDrive\Work Things\DubTech\pictures\blog\Lecture 4 Debug\4 Crash Error.PNG"/>
+          <p:cNvPicPr>
+            <a:picLocks noChangeAspect="1" noChangeArrowheads="1"/>
+          </p:cNvPicPr>
+          <p:nvPr/>
+        </p:nvPicPr>
+        <p:blipFill>
+          <a:blip r:embed="rId2">
+            <a:extLst>
+              <a:ext uri="{28A0092B-C50C-407E-A947-70E740481C1C}">
+                <a14:useLocalDpi xmlns:a14="http://schemas.microsoft.com/office/drawing/2010/main" val="0"/>
+              </a:ext>
+            </a:extLst>
+          </a:blip>
+          <a:srcRect/>
+          <a:stretch>
+            <a:fillRect/>
+          </a:stretch>
+        </p:blipFill>
+        <p:spPr bwMode="auto">
+          <a:xfrm>
+            <a:off x="457200" y="3059654"/>
+            <a:ext cx="8153400" cy="3641273"/>
+          </a:xfrm>
+          <a:prstGeom prst="rect">
+            <a:avLst/>
+          </a:prstGeom>
+          <a:noFill/>
+          <a:extLst>
+            <a:ext uri="{909E8E84-426E-40DD-AFC4-6F175D3DCCD1}">
+              <a14:hiddenFill xmlns:a14="http://schemas.microsoft.com/office/drawing/2010/main">
+                <a:solidFill>
+                  <a:srgbClr val="FFFFFF"/>
+                </a:solidFill>
+              </a14:hiddenFill>
+            </a:ext>
+          </a:extLst>
+        </p:spPr>
+      </p:pic>
+    </p:spTree>
+    <p:extLst>
+      <p:ext uri="{BB962C8B-B14F-4D97-AF65-F5344CB8AC3E}">
+        <p14:creationId xmlns:p14="http://schemas.microsoft.com/office/powerpoint/2010/main" val="3900437882"/>
+      </p:ext>
+    </p:extLst>
+  </p:cSld>
+  <p:clrMapOvr>
+    <a:masterClrMapping/>
+  </p:clrMapOvr>
 </p:sld>
 </file>
 
